--- a/Project3_present.pptx
+++ b/Project3_present.pptx
@@ -10,24 +10,28 @@
     <p:sldId id="270" r:id="rId4"/>
     <p:sldId id="258" r:id="rId5"/>
     <p:sldId id="271" r:id="rId6"/>
-    <p:sldId id="259" r:id="rId7"/>
-    <p:sldId id="260" r:id="rId8"/>
-    <p:sldId id="264" r:id="rId9"/>
-    <p:sldId id="274" r:id="rId10"/>
-    <p:sldId id="265" r:id="rId11"/>
-    <p:sldId id="275" r:id="rId12"/>
-    <p:sldId id="266" r:id="rId13"/>
-    <p:sldId id="276" r:id="rId14"/>
-    <p:sldId id="262" r:id="rId15"/>
-    <p:sldId id="267" r:id="rId16"/>
-    <p:sldId id="269" r:id="rId17"/>
-    <p:sldId id="263" r:id="rId18"/>
-    <p:sldId id="268" r:id="rId19"/>
-    <p:sldId id="279" r:id="rId20"/>
-    <p:sldId id="278" r:id="rId21"/>
-    <p:sldId id="277" r:id="rId22"/>
+    <p:sldId id="280" r:id="rId7"/>
+    <p:sldId id="259" r:id="rId8"/>
+    <p:sldId id="260" r:id="rId9"/>
+    <p:sldId id="264" r:id="rId10"/>
+    <p:sldId id="274" r:id="rId11"/>
+    <p:sldId id="265" r:id="rId12"/>
+    <p:sldId id="275" r:id="rId13"/>
+    <p:sldId id="266" r:id="rId14"/>
+    <p:sldId id="276" r:id="rId15"/>
+    <p:sldId id="262" r:id="rId16"/>
+    <p:sldId id="267" r:id="rId17"/>
+    <p:sldId id="269" r:id="rId18"/>
+    <p:sldId id="263" r:id="rId19"/>
+    <p:sldId id="268" r:id="rId20"/>
+    <p:sldId id="279" r:id="rId21"/>
+    <p:sldId id="278" r:id="rId22"/>
     <p:sldId id="272" r:id="rId23"/>
     <p:sldId id="273" r:id="rId24"/>
+    <p:sldId id="281" r:id="rId25"/>
+    <p:sldId id="282" r:id="rId26"/>
+    <p:sldId id="283" r:id="rId27"/>
+    <p:sldId id="284" r:id="rId28"/>
   </p:sldIdLst>
   <p:sldSz cx="12192000" cy="6858000"/>
   <p:notesSz cx="6858000" cy="9144000"/>
@@ -293,7 +297,7 @@
           <a:p>
             <a:fld id="{4EF89BDC-DFB9-40EB-8449-EFB3B71D28D8}" type="datetimeFigureOut">
               <a:rPr lang="en-US" smtClean="0"/>
-              <a:t>10/15/2020</a:t>
+              <a:t>10/17/2020</a:t>
             </a:fld>
             <a:endParaRPr lang="en-US"/>
           </a:p>
@@ -491,7 +495,7 @@
           <a:p>
             <a:fld id="{4EF89BDC-DFB9-40EB-8449-EFB3B71D28D8}" type="datetimeFigureOut">
               <a:rPr lang="en-US" smtClean="0"/>
-              <a:t>10/15/2020</a:t>
+              <a:t>10/17/2020</a:t>
             </a:fld>
             <a:endParaRPr lang="en-US"/>
           </a:p>
@@ -699,7 +703,7 @@
           <a:p>
             <a:fld id="{4EF89BDC-DFB9-40EB-8449-EFB3B71D28D8}" type="datetimeFigureOut">
               <a:rPr lang="en-US" smtClean="0"/>
-              <a:t>10/15/2020</a:t>
+              <a:t>10/17/2020</a:t>
             </a:fld>
             <a:endParaRPr lang="en-US"/>
           </a:p>
@@ -897,7 +901,7 @@
           <a:p>
             <a:fld id="{4EF89BDC-DFB9-40EB-8449-EFB3B71D28D8}" type="datetimeFigureOut">
               <a:rPr lang="en-US" smtClean="0"/>
-              <a:t>10/15/2020</a:t>
+              <a:t>10/17/2020</a:t>
             </a:fld>
             <a:endParaRPr lang="en-US"/>
           </a:p>
@@ -1172,7 +1176,7 @@
           <a:p>
             <a:fld id="{4EF89BDC-DFB9-40EB-8449-EFB3B71D28D8}" type="datetimeFigureOut">
               <a:rPr lang="en-US" smtClean="0"/>
-              <a:t>10/15/2020</a:t>
+              <a:t>10/17/2020</a:t>
             </a:fld>
             <a:endParaRPr lang="en-US"/>
           </a:p>
@@ -1437,7 +1441,7 @@
           <a:p>
             <a:fld id="{4EF89BDC-DFB9-40EB-8449-EFB3B71D28D8}" type="datetimeFigureOut">
               <a:rPr lang="en-US" smtClean="0"/>
-              <a:t>10/15/2020</a:t>
+              <a:t>10/17/2020</a:t>
             </a:fld>
             <a:endParaRPr lang="en-US"/>
           </a:p>
@@ -1849,7 +1853,7 @@
           <a:p>
             <a:fld id="{4EF89BDC-DFB9-40EB-8449-EFB3B71D28D8}" type="datetimeFigureOut">
               <a:rPr lang="en-US" smtClean="0"/>
-              <a:t>10/15/2020</a:t>
+              <a:t>10/17/2020</a:t>
             </a:fld>
             <a:endParaRPr lang="en-US"/>
           </a:p>
@@ -1990,7 +1994,7 @@
           <a:p>
             <a:fld id="{4EF89BDC-DFB9-40EB-8449-EFB3B71D28D8}" type="datetimeFigureOut">
               <a:rPr lang="en-US" smtClean="0"/>
-              <a:t>10/15/2020</a:t>
+              <a:t>10/17/2020</a:t>
             </a:fld>
             <a:endParaRPr lang="en-US"/>
           </a:p>
@@ -2103,7 +2107,7 @@
           <a:p>
             <a:fld id="{4EF89BDC-DFB9-40EB-8449-EFB3B71D28D8}" type="datetimeFigureOut">
               <a:rPr lang="en-US" smtClean="0"/>
-              <a:t>10/15/2020</a:t>
+              <a:t>10/17/2020</a:t>
             </a:fld>
             <a:endParaRPr lang="en-US"/>
           </a:p>
@@ -2414,7 +2418,7 @@
           <a:p>
             <a:fld id="{4EF89BDC-DFB9-40EB-8449-EFB3B71D28D8}" type="datetimeFigureOut">
               <a:rPr lang="en-US" smtClean="0"/>
-              <a:t>10/15/2020</a:t>
+              <a:t>10/17/2020</a:t>
             </a:fld>
             <a:endParaRPr lang="en-US"/>
           </a:p>
@@ -2702,7 +2706,7 @@
           <a:p>
             <a:fld id="{4EF89BDC-DFB9-40EB-8449-EFB3B71D28D8}" type="datetimeFigureOut">
               <a:rPr lang="en-US" smtClean="0"/>
-              <a:t>10/15/2020</a:t>
+              <a:t>10/17/2020</a:t>
             </a:fld>
             <a:endParaRPr lang="en-US"/>
           </a:p>
@@ -2943,7 +2947,7 @@
           <a:p>
             <a:fld id="{4EF89BDC-DFB9-40EB-8449-EFB3B71D28D8}" type="datetimeFigureOut">
               <a:rPr lang="en-US" smtClean="0"/>
-              <a:t>10/15/2020</a:t>
+              <a:t>10/17/2020</a:t>
             </a:fld>
             <a:endParaRPr lang="en-US"/>
           </a:p>
@@ -3868,6 +3872,235 @@
       </p:grpSpPr>
       <p:sp useBgFill="1">
         <p:nvSpPr>
+          <p:cNvPr id="30" name="Rectangle 29">
+            <a:extLst>
+              <a:ext uri="{FF2B5EF4-FFF2-40B4-BE49-F238E27FC236}">
+                <a16:creationId xmlns:a16="http://schemas.microsoft.com/office/drawing/2014/main" id="{9427AF5F-9A0E-42B7-A252-FD64C9885F9C}"/>
+              </a:ext>
+              <a:ext uri="{C183D7F6-B498-43B3-948B-1728B52AA6E4}">
+                <adec:decorative xmlns:adec="http://schemas.microsoft.com/office/drawing/2017/decorative" val="1"/>
+              </a:ext>
+            </a:extLst>
+          </p:cNvPr>
+          <p:cNvSpPr>
+            <a:spLocks noGrp="1" noRot="1" noChangeAspect="1" noMove="1" noResize="1" noEditPoints="1" noAdjustHandles="1" noChangeArrowheads="1" noChangeShapeType="1" noTextEdit="1"/>
+          </p:cNvSpPr>
+          <p:nvPr>
+            <p:extLst>
+              <p:ext uri="{386F3935-93C4-4BCD-93E2-E3B085C9AB24}">
+                <p16:designElem xmlns:p16="http://schemas.microsoft.com/office/powerpoint/2015/main" val="1"/>
+              </p:ext>
+            </p:extLst>
+          </p:nvPr>
+        </p:nvSpPr>
+        <p:spPr>
+          <a:xfrm>
+            <a:off x="-1" y="0"/>
+            <a:ext cx="12188952" cy="6858000"/>
+          </a:xfrm>
+          <a:prstGeom prst="rect">
+            <a:avLst/>
+          </a:prstGeom>
+          <a:ln>
+            <a:noFill/>
+          </a:ln>
+        </p:spPr>
+        <p:style>
+          <a:lnRef idx="2">
+            <a:schemeClr val="accent1">
+              <a:shade val="50000"/>
+            </a:schemeClr>
+          </a:lnRef>
+          <a:fillRef idx="1">
+            <a:schemeClr val="accent1"/>
+          </a:fillRef>
+          <a:effectRef idx="0">
+            <a:schemeClr val="accent1"/>
+          </a:effectRef>
+          <a:fontRef idx="minor">
+            <a:schemeClr val="lt1"/>
+          </a:fontRef>
+        </p:style>
+        <p:txBody>
+          <a:bodyPr rtlCol="0" anchor="ctr"/>
+          <a:lstStyle/>
+          <a:p>
+            <a:pPr algn="ctr"/>
+            <a:endParaRPr lang="en-US"/>
+          </a:p>
+        </p:txBody>
+      </p:sp>
+      <p:sp>
+        <p:nvSpPr>
+          <p:cNvPr id="2" name="Title 1">
+            <a:extLst>
+              <a:ext uri="{FF2B5EF4-FFF2-40B4-BE49-F238E27FC236}">
+                <a16:creationId xmlns:a16="http://schemas.microsoft.com/office/drawing/2014/main" id="{A51BCFCE-075C-48C0-ABCE-BE9B3CCED3EC}"/>
+              </a:ext>
+            </a:extLst>
+          </p:cNvPr>
+          <p:cNvSpPr>
+            <a:spLocks noGrp="1"/>
+          </p:cNvSpPr>
+          <p:nvPr>
+            <p:ph type="title"/>
+          </p:nvPr>
+        </p:nvSpPr>
+        <p:spPr>
+          <a:xfrm>
+            <a:off x="838200" y="365125"/>
+            <a:ext cx="10515600" cy="1306443"/>
+          </a:xfrm>
+        </p:spPr>
+        <p:txBody>
+          <a:bodyPr>
+            <a:normAutofit/>
+          </a:bodyPr>
+          <a:lstStyle/>
+          <a:p>
+            <a:r>
+              <a:rPr lang="en-US" sz="4000"/>
+              <a:t>2.1 NodeMCU ESP8266</a:t>
+            </a:r>
+          </a:p>
+        </p:txBody>
+      </p:sp>
+      <p:sp>
+        <p:nvSpPr>
+          <p:cNvPr id="3" name="Content Placeholder 2">
+            <a:extLst>
+              <a:ext uri="{FF2B5EF4-FFF2-40B4-BE49-F238E27FC236}">
+                <a16:creationId xmlns:a16="http://schemas.microsoft.com/office/drawing/2014/main" id="{56CFECF2-0E53-4E18-856D-13F496442488}"/>
+              </a:ext>
+            </a:extLst>
+          </p:cNvPr>
+          <p:cNvSpPr>
+            <a:spLocks noGrp="1"/>
+          </p:cNvSpPr>
+          <p:nvPr>
+            <p:ph idx="1"/>
+          </p:nvPr>
+        </p:nvSpPr>
+        <p:spPr>
+          <a:xfrm>
+            <a:off x="838200" y="1825625"/>
+            <a:ext cx="4152774" cy="4303464"/>
+          </a:xfrm>
+        </p:spPr>
+        <p:txBody>
+          <a:bodyPr>
+            <a:normAutofit/>
+          </a:bodyPr>
+          <a:lstStyle/>
+          <a:p>
+            <a:pPr marL="0" indent="0">
+              <a:buNone/>
+            </a:pPr>
+            <a:r>
+              <a:rPr lang="en-US" sz="2000" dirty="0" err="1"/>
+              <a:t>Sơ</a:t>
+            </a:r>
+            <a:r>
+              <a:rPr lang="en-US" sz="2000" dirty="0"/>
+              <a:t> </a:t>
+            </a:r>
+            <a:r>
+              <a:rPr lang="en-US" sz="2000" dirty="0" err="1"/>
+              <a:t>đồ</a:t>
+            </a:r>
+            <a:r>
+              <a:rPr lang="en-US" sz="2000" dirty="0"/>
+              <a:t> </a:t>
+            </a:r>
+            <a:r>
+              <a:rPr lang="en-US" sz="2000" dirty="0" err="1"/>
+              <a:t>chân</a:t>
+            </a:r>
+            <a:endParaRPr lang="en-US" sz="2000" dirty="0"/>
+          </a:p>
+          <a:p>
+            <a:pPr marL="0" indent="0">
+              <a:buNone/>
+            </a:pPr>
+            <a:endParaRPr lang="en-US" sz="2000" dirty="0"/>
+          </a:p>
+        </p:txBody>
+      </p:sp>
+      <p:pic>
+        <p:nvPicPr>
+          <p:cNvPr id="5" name="Picture 4">
+            <a:extLst>
+              <a:ext uri="{FF2B5EF4-FFF2-40B4-BE49-F238E27FC236}">
+                <a16:creationId xmlns:a16="http://schemas.microsoft.com/office/drawing/2014/main" id="{89A5F8AD-F5EE-4245-AA55-60701C0893B7}"/>
+              </a:ext>
+            </a:extLst>
+          </p:cNvPr>
+          <p:cNvPicPr>
+            <a:picLocks noChangeAspect="1"/>
+          </p:cNvPicPr>
+          <p:nvPr/>
+        </p:nvPicPr>
+        <p:blipFill rotWithShape="1">
+          <a:blip r:embed="rId2">
+            <a:extLst>
+              <a:ext uri="{28A0092B-C50C-407E-A947-70E740481C1C}">
+                <a14:useLocalDpi xmlns:a14="http://schemas.microsoft.com/office/drawing/2010/main" val="0"/>
+              </a:ext>
+            </a:extLst>
+          </a:blip>
+          <a:srcRect t="3286" r="2" b="14469"/>
+          <a:stretch/>
+        </p:blipFill>
+        <p:spPr>
+          <a:xfrm>
+            <a:off x="5183500" y="1904282"/>
+            <a:ext cx="6170299" cy="4224808"/>
+          </a:xfrm>
+          <a:prstGeom prst="rect">
+            <a:avLst/>
+          </a:prstGeom>
+        </p:spPr>
+      </p:pic>
+    </p:spTree>
+    <p:extLst>
+      <p:ext uri="{BB962C8B-B14F-4D97-AF65-F5344CB8AC3E}">
+        <p14:creationId xmlns:p14="http://schemas.microsoft.com/office/powerpoint/2010/main" val="1529635163"/>
+      </p:ext>
+    </p:extLst>
+  </p:cSld>
+  <p:clrMapOvr>
+    <a:masterClrMapping/>
+  </p:clrMapOvr>
+</p:sld>
+</file>
+
+<file path=ppt/slides/slide11.xml><?xml version="1.0" encoding="utf-8"?>
+<p:sld xmlns:a="http://schemas.openxmlformats.org/drawingml/2006/main" xmlns:r="http://schemas.openxmlformats.org/officeDocument/2006/relationships" xmlns:p="http://schemas.openxmlformats.org/presentationml/2006/main">
+  <p:cSld>
+    <p:bg>
+      <p:bgPr>
+        <a:solidFill>
+          <a:schemeClr val="bg1"/>
+        </a:solidFill>
+        <a:effectLst/>
+      </p:bgPr>
+    </p:bg>
+    <p:spTree>
+      <p:nvGrpSpPr>
+        <p:cNvPr id="1" name=""/>
+        <p:cNvGrpSpPr/>
+        <p:nvPr/>
+      </p:nvGrpSpPr>
+      <p:grpSpPr>
+        <a:xfrm>
+          <a:off x="0" y="0"/>
+          <a:ext cx="0" cy="0"/>
+          <a:chOff x="0" y="0"/>
+          <a:chExt cx="0" cy="0"/>
+        </a:xfrm>
+      </p:grpSpPr>
+      <p:sp useBgFill="1">
+        <p:nvSpPr>
           <p:cNvPr id="10" name="Rectangle 9">
             <a:extLst>
               <a:ext uri="{FF2B5EF4-FFF2-40B4-BE49-F238E27FC236}">
@@ -5425,7 +5658,7 @@
 </p:sld>
 </file>
 
-<file path=ppt/slides/slide11.xml><?xml version="1.0" encoding="utf-8"?>
+<file path=ppt/slides/slide12.xml><?xml version="1.0" encoding="utf-8"?>
 <p:sld xmlns:a="http://schemas.openxmlformats.org/drawingml/2006/main" xmlns:r="http://schemas.openxmlformats.org/officeDocument/2006/relationships" xmlns:p="http://schemas.openxmlformats.org/presentationml/2006/main">
   <p:cSld>
     <p:bg>
@@ -5672,7 +5905,7 @@
 </p:sld>
 </file>
 
-<file path=ppt/slides/slide12.xml><?xml version="1.0" encoding="utf-8"?>
+<file path=ppt/slides/slide13.xml><?xml version="1.0" encoding="utf-8"?>
 <p:sld xmlns:a="http://schemas.openxmlformats.org/drawingml/2006/main" xmlns:r="http://schemas.openxmlformats.org/officeDocument/2006/relationships" xmlns:p="http://schemas.openxmlformats.org/presentationml/2006/main">
   <p:cSld>
     <p:bg>
@@ -6152,7 +6385,7 @@
 </p:sld>
 </file>
 
-<file path=ppt/slides/slide13.xml><?xml version="1.0" encoding="utf-8"?>
+<file path=ppt/slides/slide14.xml><?xml version="1.0" encoding="utf-8"?>
 <p:sld xmlns:a="http://schemas.openxmlformats.org/drawingml/2006/main" xmlns:r="http://schemas.openxmlformats.org/officeDocument/2006/relationships" xmlns:p="http://schemas.openxmlformats.org/presentationml/2006/main">
   <p:cSld>
     <p:spTree>
@@ -6246,7 +6479,7 @@
 </p:sld>
 </file>
 
-<file path=ppt/slides/slide14.xml><?xml version="1.0" encoding="utf-8"?>
+<file path=ppt/slides/slide15.xml><?xml version="1.0" encoding="utf-8"?>
 <p:sld xmlns:a="http://schemas.openxmlformats.org/drawingml/2006/main" xmlns:r="http://schemas.openxmlformats.org/officeDocument/2006/relationships" xmlns:p="http://schemas.openxmlformats.org/presentationml/2006/main">
   <p:cSld>
     <p:bg>
@@ -6713,7 +6946,7 @@
 </p:sld>
 </file>
 
-<file path=ppt/slides/slide15.xml><?xml version="1.0" encoding="utf-8"?>
+<file path=ppt/slides/slide16.xml><?xml version="1.0" encoding="utf-8"?>
 <p:sld xmlns:a="http://schemas.openxmlformats.org/drawingml/2006/main" xmlns:r="http://schemas.openxmlformats.org/officeDocument/2006/relationships" xmlns:p="http://schemas.openxmlformats.org/presentationml/2006/main">
   <p:cSld>
     <p:bg>
@@ -6928,41 +7161,6 @@
           </a:p>
         </p:txBody>
       </p:sp>
-      <p:pic>
-        <p:nvPicPr>
-          <p:cNvPr id="11" name="Content Placeholder 10">
-            <a:extLst>
-              <a:ext uri="{FF2B5EF4-FFF2-40B4-BE49-F238E27FC236}">
-                <a16:creationId xmlns:a16="http://schemas.microsoft.com/office/drawing/2014/main" id="{222FB467-9FF6-480A-B6F1-FAFCD2CBDBBC}"/>
-              </a:ext>
-            </a:extLst>
-          </p:cNvPr>
-          <p:cNvPicPr>
-            <a:picLocks noGrp="1" noChangeAspect="1"/>
-          </p:cNvPicPr>
-          <p:nvPr>
-            <p:ph idx="1"/>
-          </p:nvPr>
-        </p:nvPicPr>
-        <p:blipFill>
-          <a:blip r:embed="rId2">
-            <a:extLst>
-              <a:ext uri="{28A0092B-C50C-407E-A947-70E740481C1C}">
-                <a14:useLocalDpi xmlns:a14="http://schemas.microsoft.com/office/drawing/2010/main" val="0"/>
-              </a:ext>
-            </a:extLst>
-          </a:blip>
-          <a:stretch>
-            <a:fillRect/>
-          </a:stretch>
-        </p:blipFill>
-        <p:spPr>
-          <a:xfrm>
-            <a:off x="1254230" y="1711045"/>
-            <a:ext cx="9683540" cy="2367088"/>
-          </a:xfrm>
-        </p:spPr>
-      </p:pic>
       <p:sp>
         <p:nvSpPr>
           <p:cNvPr id="16" name="Arc 15">
@@ -7121,6 +7319,453 @@
           </a:p>
         </p:txBody>
       </p:sp>
+      <p:sp>
+        <p:nvSpPr>
+          <p:cNvPr id="7" name="TextBox 6">
+            <a:extLst>
+              <a:ext uri="{FF2B5EF4-FFF2-40B4-BE49-F238E27FC236}">
+                <a16:creationId xmlns:a16="http://schemas.microsoft.com/office/drawing/2014/main" id="{AB1AA3CA-58C3-4574-BB48-ECAF6162BA95}"/>
+              </a:ext>
+            </a:extLst>
+          </p:cNvPr>
+          <p:cNvSpPr txBox="1"/>
+          <p:nvPr/>
+        </p:nvSpPr>
+        <p:spPr>
+          <a:xfrm>
+            <a:off x="1348740" y="3596640"/>
+            <a:ext cx="10005060" cy="1200329"/>
+          </a:xfrm>
+          <a:prstGeom prst="rect">
+            <a:avLst/>
+          </a:prstGeom>
+          <a:noFill/>
+        </p:spPr>
+        <p:txBody>
+          <a:bodyPr wrap="square" rtlCol="0">
+            <a:spAutoFit/>
+          </a:bodyPr>
+          <a:lstStyle/>
+          <a:p>
+            <a:pPr marL="285750" indent="-285750">
+              <a:buFont typeface="Arial" panose="020B0604020202020204" pitchFamily="34" charset="0"/>
+              <a:buChar char="•"/>
+            </a:pPr>
+            <a:r>
+              <a:rPr lang="en-US" dirty="0" err="1"/>
+              <a:t>Thiết</a:t>
+            </a:r>
+            <a:r>
+              <a:rPr lang="en-US" dirty="0"/>
+              <a:t> </a:t>
+            </a:r>
+            <a:r>
+              <a:rPr lang="en-US" dirty="0" err="1"/>
+              <a:t>bị</a:t>
+            </a:r>
+            <a:r>
+              <a:rPr lang="en-US" dirty="0"/>
+              <a:t> IoT: </a:t>
+            </a:r>
+            <a:r>
+              <a:rPr lang="en-US" dirty="0" err="1"/>
+              <a:t>Liên</a:t>
+            </a:r>
+            <a:r>
+              <a:rPr lang="en-US" dirty="0"/>
+              <a:t> </a:t>
+            </a:r>
+            <a:r>
+              <a:rPr lang="en-US" dirty="0" err="1"/>
+              <a:t>quan</a:t>
+            </a:r>
+            <a:r>
+              <a:rPr lang="en-US" dirty="0"/>
+              <a:t> </a:t>
+            </a:r>
+            <a:r>
+              <a:rPr lang="en-US" dirty="0" err="1"/>
+              <a:t>đến</a:t>
+            </a:r>
+            <a:r>
+              <a:rPr lang="en-US" dirty="0"/>
+              <a:t> </a:t>
+            </a:r>
+            <a:r>
+              <a:rPr lang="en-US" dirty="0" err="1"/>
+              <a:t>lập</a:t>
+            </a:r>
+            <a:r>
+              <a:rPr lang="en-US" dirty="0"/>
+              <a:t> </a:t>
+            </a:r>
+            <a:r>
+              <a:rPr lang="en-US" dirty="0" err="1"/>
+              <a:t>trình</a:t>
+            </a:r>
+            <a:r>
+              <a:rPr lang="en-US" dirty="0"/>
+              <a:t> </a:t>
+            </a:r>
+            <a:r>
+              <a:rPr lang="en-US" dirty="0" err="1"/>
+              <a:t>cho</a:t>
+            </a:r>
+            <a:r>
+              <a:rPr lang="en-US" dirty="0"/>
+              <a:t> </a:t>
+            </a:r>
+            <a:r>
+              <a:rPr lang="en-US" dirty="0" err="1"/>
+              <a:t>NodeMCU</a:t>
+            </a:r>
+            <a:r>
+              <a:rPr lang="en-US" dirty="0"/>
+              <a:t> </a:t>
+            </a:r>
+            <a:r>
+              <a:rPr lang="en-US" dirty="0" err="1"/>
+              <a:t>để</a:t>
+            </a:r>
+            <a:r>
+              <a:rPr lang="en-US" dirty="0"/>
+              <a:t> </a:t>
+            </a:r>
+            <a:r>
+              <a:rPr lang="en-US" dirty="0" err="1"/>
+              <a:t>lấy</a:t>
+            </a:r>
+            <a:r>
+              <a:rPr lang="en-US" dirty="0"/>
+              <a:t>, </a:t>
+            </a:r>
+            <a:r>
+              <a:rPr lang="en-US" dirty="0" err="1"/>
+              <a:t>gửi</a:t>
+            </a:r>
+            <a:r>
+              <a:rPr lang="en-US" dirty="0"/>
+              <a:t> </a:t>
+            </a:r>
+            <a:r>
+              <a:rPr lang="en-US" dirty="0" err="1"/>
+              <a:t>dữ</a:t>
+            </a:r>
+            <a:r>
+              <a:rPr lang="en-US" dirty="0"/>
+              <a:t> </a:t>
+            </a:r>
+            <a:r>
+              <a:rPr lang="en-US" dirty="0" err="1"/>
+              <a:t>liệu</a:t>
+            </a:r>
+            <a:r>
+              <a:rPr lang="en-US" dirty="0"/>
+              <a:t> </a:t>
+            </a:r>
+            <a:r>
+              <a:rPr lang="en-US" dirty="0" err="1"/>
+              <a:t>và</a:t>
+            </a:r>
+            <a:r>
+              <a:rPr lang="en-US" dirty="0"/>
+              <a:t> </a:t>
+            </a:r>
+            <a:r>
+              <a:rPr lang="en-US" dirty="0" err="1"/>
+              <a:t>nhận</a:t>
+            </a:r>
+            <a:r>
+              <a:rPr lang="en-US" dirty="0"/>
+              <a:t> </a:t>
+            </a:r>
+            <a:r>
+              <a:rPr lang="en-US" dirty="0" err="1"/>
+              <a:t>lệnh</a:t>
+            </a:r>
+            <a:r>
+              <a:rPr lang="en-US" dirty="0"/>
+              <a:t> </a:t>
+            </a:r>
+            <a:r>
+              <a:rPr lang="en-US" dirty="0" err="1"/>
+              <a:t>từ</a:t>
+            </a:r>
+            <a:r>
+              <a:rPr lang="en-US" dirty="0"/>
+              <a:t> </a:t>
+            </a:r>
+            <a:r>
+              <a:rPr lang="en-US" dirty="0" err="1"/>
+              <a:t>phía</a:t>
+            </a:r>
+            <a:r>
+              <a:rPr lang="en-US" dirty="0"/>
+              <a:t> Broker Server</a:t>
+            </a:r>
+          </a:p>
+          <a:p>
+            <a:pPr marL="285750" indent="-285750">
+              <a:buFont typeface="Arial" panose="020B0604020202020204" pitchFamily="34" charset="0"/>
+              <a:buChar char="•"/>
+            </a:pPr>
+            <a:r>
+              <a:rPr lang="en-US" dirty="0"/>
+              <a:t>Broker Server: </a:t>
+            </a:r>
+            <a:r>
+              <a:rPr lang="en-US" dirty="0" err="1"/>
+              <a:t>Là</a:t>
+            </a:r>
+            <a:r>
+              <a:rPr lang="en-US" dirty="0"/>
+              <a:t> Server </a:t>
+            </a:r>
+            <a:r>
+              <a:rPr lang="en-US" dirty="0" err="1"/>
+              <a:t>trung</a:t>
+            </a:r>
+            <a:r>
+              <a:rPr lang="en-US" dirty="0"/>
+              <a:t> </a:t>
+            </a:r>
+            <a:r>
+              <a:rPr lang="en-US" dirty="0" err="1"/>
+              <a:t>gian</a:t>
+            </a:r>
+            <a:r>
+              <a:rPr lang="en-US" dirty="0"/>
+              <a:t> </a:t>
+            </a:r>
+            <a:r>
+              <a:rPr lang="en-US" dirty="0" err="1"/>
+              <a:t>truyền</a:t>
+            </a:r>
+            <a:r>
+              <a:rPr lang="en-US" dirty="0"/>
+              <a:t> </a:t>
+            </a:r>
+            <a:r>
+              <a:rPr lang="en-US" dirty="0" err="1"/>
+              <a:t>dữ</a:t>
+            </a:r>
+            <a:r>
+              <a:rPr lang="en-US" dirty="0"/>
+              <a:t> </a:t>
+            </a:r>
+            <a:r>
+              <a:rPr lang="en-US" dirty="0" err="1"/>
+              <a:t>liệu</a:t>
+            </a:r>
+            <a:r>
+              <a:rPr lang="en-US" dirty="0"/>
+              <a:t> qua </a:t>
+            </a:r>
+            <a:r>
+              <a:rPr lang="en-US" dirty="0" err="1"/>
+              <a:t>lại</a:t>
+            </a:r>
+            <a:r>
+              <a:rPr lang="en-US" dirty="0"/>
+              <a:t> </a:t>
+            </a:r>
+            <a:r>
+              <a:rPr lang="en-US" dirty="0" err="1"/>
+              <a:t>giữa</a:t>
+            </a:r>
+            <a:r>
+              <a:rPr lang="en-US" dirty="0"/>
+              <a:t> Web Server </a:t>
+            </a:r>
+            <a:r>
+              <a:rPr lang="en-US" dirty="0" err="1"/>
+              <a:t>và</a:t>
+            </a:r>
+            <a:r>
+              <a:rPr lang="en-US" dirty="0"/>
+              <a:t> </a:t>
+            </a:r>
+            <a:r>
+              <a:rPr lang="en-US" dirty="0" err="1"/>
+              <a:t>Thiết</a:t>
+            </a:r>
+            <a:r>
+              <a:rPr lang="en-US" dirty="0"/>
+              <a:t> </a:t>
+            </a:r>
+            <a:r>
+              <a:rPr lang="en-US" dirty="0" err="1"/>
+              <a:t>bị</a:t>
+            </a:r>
+            <a:r>
+              <a:rPr lang="en-US" dirty="0"/>
+              <a:t> IoT</a:t>
+            </a:r>
+          </a:p>
+          <a:p>
+            <a:pPr marL="285750" indent="-285750">
+              <a:buFont typeface="Arial" panose="020B0604020202020204" pitchFamily="34" charset="0"/>
+              <a:buChar char="•"/>
+            </a:pPr>
+            <a:r>
+              <a:rPr lang="en-US" dirty="0"/>
+              <a:t>Web Server: </a:t>
+            </a:r>
+            <a:r>
+              <a:rPr lang="en-US" dirty="0" err="1"/>
+              <a:t>Liên</a:t>
+            </a:r>
+            <a:r>
+              <a:rPr lang="en-US" dirty="0"/>
+              <a:t> </a:t>
+            </a:r>
+            <a:r>
+              <a:rPr lang="en-US" dirty="0" err="1"/>
+              <a:t>quan</a:t>
+            </a:r>
+            <a:r>
+              <a:rPr lang="en-US" dirty="0"/>
+              <a:t> </a:t>
+            </a:r>
+            <a:r>
+              <a:rPr lang="en-US" dirty="0" err="1"/>
+              <a:t>đến</a:t>
+            </a:r>
+            <a:r>
+              <a:rPr lang="en-US" dirty="0"/>
+              <a:t> </a:t>
+            </a:r>
+            <a:r>
+              <a:rPr lang="en-US" dirty="0" err="1"/>
+              <a:t>lập</a:t>
+            </a:r>
+            <a:r>
+              <a:rPr lang="en-US" dirty="0"/>
+              <a:t> </a:t>
+            </a:r>
+            <a:r>
+              <a:rPr lang="en-US" dirty="0" err="1"/>
+              <a:t>trình</a:t>
+            </a:r>
+            <a:r>
+              <a:rPr lang="en-US" dirty="0"/>
+              <a:t> </a:t>
+            </a:r>
+            <a:r>
+              <a:rPr lang="en-US" dirty="0" err="1"/>
+              <a:t>giao</a:t>
+            </a:r>
+            <a:r>
+              <a:rPr lang="en-US" dirty="0"/>
+              <a:t> </a:t>
+            </a:r>
+            <a:r>
+              <a:rPr lang="en-US" dirty="0" err="1"/>
+              <a:t>diện</a:t>
+            </a:r>
+            <a:r>
+              <a:rPr lang="en-US" dirty="0"/>
+              <a:t> </a:t>
+            </a:r>
+            <a:r>
+              <a:rPr lang="en-US" dirty="0" err="1"/>
+              <a:t>để</a:t>
+            </a:r>
+            <a:r>
+              <a:rPr lang="en-US" dirty="0"/>
+              <a:t> </a:t>
+            </a:r>
+            <a:r>
+              <a:rPr lang="en-US" dirty="0" err="1"/>
+              <a:t>hiển</a:t>
+            </a:r>
+            <a:r>
+              <a:rPr lang="en-US" dirty="0"/>
+              <a:t> </a:t>
+            </a:r>
+            <a:r>
+              <a:rPr lang="en-US" dirty="0" err="1"/>
+              <a:t>thị</a:t>
+            </a:r>
+            <a:r>
+              <a:rPr lang="en-US" dirty="0"/>
+              <a:t> </a:t>
+            </a:r>
+            <a:r>
+              <a:rPr lang="en-US" dirty="0" err="1"/>
+              <a:t>cho</a:t>
+            </a:r>
+            <a:r>
+              <a:rPr lang="en-US" dirty="0"/>
+              <a:t> </a:t>
+            </a:r>
+            <a:r>
+              <a:rPr lang="en-US" dirty="0" err="1"/>
+              <a:t>người</a:t>
+            </a:r>
+            <a:r>
+              <a:rPr lang="en-US" dirty="0"/>
+              <a:t> </a:t>
+            </a:r>
+            <a:r>
+              <a:rPr lang="en-US" dirty="0" err="1"/>
+              <a:t>dùng</a:t>
+            </a:r>
+            <a:r>
+              <a:rPr lang="en-US" dirty="0"/>
+              <a:t> </a:t>
+            </a:r>
+            <a:r>
+              <a:rPr lang="en-US" dirty="0" err="1"/>
+              <a:t>theo</a:t>
+            </a:r>
+            <a:r>
+              <a:rPr lang="en-US" dirty="0"/>
+              <a:t> </a:t>
+            </a:r>
+            <a:r>
+              <a:rPr lang="en-US" dirty="0" err="1"/>
+              <a:t>dõi</a:t>
+            </a:r>
+            <a:endParaRPr lang="en-US" dirty="0"/>
+          </a:p>
+        </p:txBody>
+      </p:sp>
+      <p:pic>
+        <p:nvPicPr>
+          <p:cNvPr id="12" name="Content Placeholder 11">
+            <a:extLst>
+              <a:ext uri="{FF2B5EF4-FFF2-40B4-BE49-F238E27FC236}">
+                <a16:creationId xmlns:a16="http://schemas.microsoft.com/office/drawing/2014/main" id="{1CBFE72A-2E61-4C19-8CD2-561C9A15D6F0}"/>
+              </a:ext>
+            </a:extLst>
+          </p:cNvPr>
+          <p:cNvPicPr>
+            <a:picLocks noGrp="1" noChangeAspect="1"/>
+          </p:cNvPicPr>
+          <p:nvPr>
+            <p:ph idx="1"/>
+          </p:nvPr>
+        </p:nvPicPr>
+        <p:blipFill>
+          <a:blip r:embed="rId2">
+            <a:extLst>
+              <a:ext uri="{28A0092B-C50C-407E-A947-70E740481C1C}">
+                <a14:useLocalDpi xmlns:a14="http://schemas.microsoft.com/office/drawing/2010/main" val="0"/>
+              </a:ext>
+            </a:extLst>
+          </a:blip>
+          <a:stretch>
+            <a:fillRect/>
+          </a:stretch>
+        </p:blipFill>
+        <p:spPr>
+          <a:xfrm>
+            <a:off x="2025967" y="1510400"/>
+            <a:ext cx="7439025" cy="1533525"/>
+          </a:xfrm>
+        </p:spPr>
+      </p:pic>
     </p:spTree>
     <p:extLst>
       <p:ext uri="{BB962C8B-B14F-4D97-AF65-F5344CB8AC3E}">
@@ -7134,7 +7779,7 @@
 </p:sld>
 </file>
 
-<file path=ppt/slides/slide16.xml><?xml version="1.0" encoding="utf-8"?>
+<file path=ppt/slides/slide17.xml><?xml version="1.0" encoding="utf-8"?>
 <p:sld xmlns:a="http://schemas.openxmlformats.org/drawingml/2006/main" xmlns:r="http://schemas.openxmlformats.org/officeDocument/2006/relationships" xmlns:p="http://schemas.openxmlformats.org/presentationml/2006/main">
   <p:cSld>
     <p:bg>
@@ -7758,7 +8403,7 @@
 </p:sld>
 </file>
 
-<file path=ppt/slides/slide17.xml><?xml version="1.0" encoding="utf-8"?>
+<file path=ppt/slides/slide18.xml><?xml version="1.0" encoding="utf-8"?>
 <p:sld xmlns:a="http://schemas.openxmlformats.org/drawingml/2006/main" xmlns:r="http://schemas.openxmlformats.org/officeDocument/2006/relationships" xmlns:p="http://schemas.openxmlformats.org/presentationml/2006/main">
   <p:cSld>
     <p:bg>
@@ -8362,7 +9007,7 @@
 </p:sld>
 </file>
 
-<file path=ppt/slides/slide18.xml><?xml version="1.0" encoding="utf-8"?>
+<file path=ppt/slides/slide19.xml><?xml version="1.0" encoding="utf-8"?>
 <p:sld xmlns:a="http://schemas.openxmlformats.org/drawingml/2006/main" xmlns:r="http://schemas.openxmlformats.org/officeDocument/2006/relationships" xmlns:p="http://schemas.openxmlformats.org/presentationml/2006/main">
   <p:cSld>
     <p:bg>
@@ -9092,99 +9737,6 @@
     <p:extLst>
       <p:ext uri="{BB962C8B-B14F-4D97-AF65-F5344CB8AC3E}">
         <p14:creationId xmlns:p14="http://schemas.microsoft.com/office/powerpoint/2010/main" val="1133334704"/>
-      </p:ext>
-    </p:extLst>
-  </p:cSld>
-  <p:clrMapOvr>
-    <a:masterClrMapping/>
-  </p:clrMapOvr>
-</p:sld>
-</file>
-
-<file path=ppt/slides/slide19.xml><?xml version="1.0" encoding="utf-8"?>
-<p:sld xmlns:a="http://schemas.openxmlformats.org/drawingml/2006/main" xmlns:r="http://schemas.openxmlformats.org/officeDocument/2006/relationships" xmlns:p="http://schemas.openxmlformats.org/presentationml/2006/main">
-  <p:cSld>
-    <p:spTree>
-      <p:nvGrpSpPr>
-        <p:cNvPr id="1" name=""/>
-        <p:cNvGrpSpPr/>
-        <p:nvPr/>
-      </p:nvGrpSpPr>
-      <p:grpSpPr>
-        <a:xfrm>
-          <a:off x="0" y="0"/>
-          <a:ext cx="0" cy="0"/>
-          <a:chOff x="0" y="0"/>
-          <a:chExt cx="0" cy="0"/>
-        </a:xfrm>
-      </p:grpSpPr>
-      <p:sp>
-        <p:nvSpPr>
-          <p:cNvPr id="2" name="Title 1">
-            <a:extLst>
-              <a:ext uri="{FF2B5EF4-FFF2-40B4-BE49-F238E27FC236}">
-                <a16:creationId xmlns:a16="http://schemas.microsoft.com/office/drawing/2014/main" id="{1A671365-12E8-4187-A9F3-7BAC7C5EE7DF}"/>
-              </a:ext>
-            </a:extLst>
-          </p:cNvPr>
-          <p:cNvSpPr>
-            <a:spLocks noGrp="1"/>
-          </p:cNvSpPr>
-          <p:nvPr>
-            <p:ph type="title"/>
-          </p:nvPr>
-        </p:nvSpPr>
-        <p:spPr/>
-        <p:txBody>
-          <a:bodyPr/>
-          <a:lstStyle/>
-          <a:p>
-            <a:r>
-              <a:rPr lang="en-US" dirty="0"/>
-              <a:t>AES</a:t>
-            </a:r>
-          </a:p>
-        </p:txBody>
-      </p:sp>
-      <p:pic>
-        <p:nvPicPr>
-          <p:cNvPr id="5" name="Content Placeholder 4" descr="Chart, diagram&#10;&#10;Description automatically generated">
-            <a:extLst>
-              <a:ext uri="{FF2B5EF4-FFF2-40B4-BE49-F238E27FC236}">
-                <a16:creationId xmlns:a16="http://schemas.microsoft.com/office/drawing/2014/main" id="{9EBAAB67-E65B-4A93-A337-CC42DEAB9373}"/>
-              </a:ext>
-            </a:extLst>
-          </p:cNvPr>
-          <p:cNvPicPr>
-            <a:picLocks noGrp="1" noChangeAspect="1"/>
-          </p:cNvPicPr>
-          <p:nvPr>
-            <p:ph idx="1"/>
-          </p:nvPr>
-        </p:nvPicPr>
-        <p:blipFill>
-          <a:blip r:embed="rId2">
-            <a:extLst>
-              <a:ext uri="{28A0092B-C50C-407E-A947-70E740481C1C}">
-                <a14:useLocalDpi xmlns:a14="http://schemas.microsoft.com/office/drawing/2010/main" val="0"/>
-              </a:ext>
-            </a:extLst>
-          </a:blip>
-          <a:stretch>
-            <a:fillRect/>
-          </a:stretch>
-        </p:blipFill>
-        <p:spPr>
-          <a:xfrm>
-            <a:off x="3049037" y="212221"/>
-            <a:ext cx="6597261" cy="6645779"/>
-          </a:xfrm>
-        </p:spPr>
-      </p:pic>
-    </p:spTree>
-    <p:extLst>
-      <p:ext uri="{BB962C8B-B14F-4D97-AF65-F5344CB8AC3E}">
-        <p14:creationId xmlns:p14="http://schemas.microsoft.com/office/powerpoint/2010/main" val="1559555937"/>
       </p:ext>
     </p:extLst>
   </p:cSld>
@@ -9719,14 +10271,6 @@
 <file path=ppt/slides/slide20.xml><?xml version="1.0" encoding="utf-8"?>
 <p:sld xmlns:a="http://schemas.openxmlformats.org/drawingml/2006/main" xmlns:r="http://schemas.openxmlformats.org/officeDocument/2006/relationships" xmlns:p="http://schemas.openxmlformats.org/presentationml/2006/main">
   <p:cSld>
-    <p:bg>
-      <p:bgPr>
-        <a:solidFill>
-          <a:schemeClr val="bg1"/>
-        </a:solidFill>
-        <a:effectLst/>
-      </p:bgPr>
-    </p:bg>
     <p:spTree>
       <p:nvGrpSpPr>
         <p:cNvPr id="1" name=""/>
@@ -9741,115 +10285,40 @@
           <a:chExt cx="0" cy="0"/>
         </a:xfrm>
       </p:grpSpPr>
-      <p:sp useBgFill="1">
-        <p:nvSpPr>
-          <p:cNvPr id="10" name="Rectangle 9">
-            <a:extLst>
-              <a:ext uri="{FF2B5EF4-FFF2-40B4-BE49-F238E27FC236}">
-                <a16:creationId xmlns:a16="http://schemas.microsoft.com/office/drawing/2014/main" id="{53F29798-D584-4792-9B62-3F5F5C36D619}"/>
-              </a:ext>
-              <a:ext uri="{C183D7F6-B498-43B3-948B-1728B52AA6E4}">
-                <adec:decorative xmlns:adec="http://schemas.microsoft.com/office/drawing/2017/decorative" val="1"/>
-              </a:ext>
-            </a:extLst>
-          </p:cNvPr>
-          <p:cNvSpPr>
-            <a:spLocks noGrp="1" noRot="1" noChangeAspect="1" noMove="1" noResize="1" noEditPoints="1" noAdjustHandles="1" noChangeArrowheads="1" noChangeShapeType="1" noTextEdit="1"/>
-          </p:cNvSpPr>
-          <p:nvPr>
-            <p:extLst>
-              <p:ext uri="{386F3935-93C4-4BCD-93E2-E3B085C9AB24}">
-                <p16:designElem xmlns:p16="http://schemas.microsoft.com/office/powerpoint/2015/main" val="1"/>
-              </p:ext>
-            </p:extLst>
-          </p:nvPr>
-        </p:nvSpPr>
-        <p:spPr>
-          <a:xfrm>
-            <a:off x="0" y="0"/>
-            <a:ext cx="12188952" cy="6858000"/>
-          </a:xfrm>
-          <a:prstGeom prst="rect">
-            <a:avLst/>
-          </a:prstGeom>
-          <a:ln>
-            <a:noFill/>
-          </a:ln>
-        </p:spPr>
-        <p:style>
-          <a:lnRef idx="2">
-            <a:schemeClr val="accent1">
-              <a:shade val="50000"/>
-            </a:schemeClr>
-          </a:lnRef>
-          <a:fillRef idx="1">
-            <a:schemeClr val="accent1"/>
-          </a:fillRef>
-          <a:effectRef idx="0">
-            <a:schemeClr val="accent1"/>
-          </a:effectRef>
-          <a:fontRef idx="minor">
-            <a:schemeClr val="lt1"/>
-          </a:fontRef>
-        </p:style>
-        <p:txBody>
-          <a:bodyPr rtlCol="0" anchor="ctr"/>
+      <p:sp>
+        <p:nvSpPr>
+          <p:cNvPr id="2" name="Title 1">
+            <a:extLst>
+              <a:ext uri="{FF2B5EF4-FFF2-40B4-BE49-F238E27FC236}">
+                <a16:creationId xmlns:a16="http://schemas.microsoft.com/office/drawing/2014/main" id="{1A671365-12E8-4187-A9F3-7BAC7C5EE7DF}"/>
+              </a:ext>
+            </a:extLst>
+          </p:cNvPr>
+          <p:cNvSpPr>
+            <a:spLocks noGrp="1"/>
+          </p:cNvSpPr>
+          <p:nvPr>
+            <p:ph type="title"/>
+          </p:nvPr>
+        </p:nvSpPr>
+        <p:spPr/>
+        <p:txBody>
+          <a:bodyPr/>
           <a:lstStyle/>
           <a:p>
-            <a:pPr algn="ctr"/>
-            <a:endParaRPr lang="en-US"/>
-          </a:p>
-        </p:txBody>
-      </p:sp>
-      <p:sp>
-        <p:nvSpPr>
-          <p:cNvPr id="2" name="Title 1">
-            <a:extLst>
-              <a:ext uri="{FF2B5EF4-FFF2-40B4-BE49-F238E27FC236}">
-                <a16:creationId xmlns:a16="http://schemas.microsoft.com/office/drawing/2014/main" id="{69EDC3F6-5217-44FE-A26F-ADD2E8BFEDAF}"/>
-              </a:ext>
-            </a:extLst>
-          </p:cNvPr>
-          <p:cNvSpPr>
-            <a:spLocks noGrp="1"/>
-          </p:cNvSpPr>
-          <p:nvPr>
-            <p:ph type="title"/>
-          </p:nvPr>
-        </p:nvSpPr>
-        <p:spPr>
-          <a:xfrm>
-            <a:off x="838200" y="562271"/>
-            <a:ext cx="10515600" cy="1128417"/>
-          </a:xfrm>
-        </p:spPr>
-        <p:txBody>
-          <a:bodyPr vert="horz" lIns="91440" tIns="45720" rIns="91440" bIns="45720" rtlCol="0" anchor="ctr">
-            <a:normAutofit/>
-          </a:bodyPr>
-          <a:lstStyle/>
-          <a:p>
-            <a:r>
-              <a:rPr lang="en-US" dirty="0"/>
-              <a:t>ECB (Electronic </a:t>
-            </a:r>
-            <a:r>
-              <a:rPr lang="en-US" dirty="0" err="1"/>
-              <a:t>CodeBook</a:t>
-            </a:r>
-            <a:r>
-              <a:rPr lang="en-US" dirty="0"/>
-              <a:t>)</a:t>
+            <a:r>
+              <a:rPr lang="en-US" dirty="0"/>
+              <a:t>AES</a:t>
             </a:r>
           </a:p>
         </p:txBody>
       </p:sp>
       <p:pic>
         <p:nvPicPr>
-          <p:cNvPr id="5" name="Content Placeholder 4" descr="Diagram&#10;&#10;Description automatically generated">
-            <a:extLst>
-              <a:ext uri="{FF2B5EF4-FFF2-40B4-BE49-F238E27FC236}">
-                <a16:creationId xmlns:a16="http://schemas.microsoft.com/office/drawing/2014/main" id="{3684F08B-EC7F-4999-8395-74B22CF48064}"/>
+          <p:cNvPr id="5" name="Content Placeholder 4" descr="Chart, diagram&#10;&#10;Description automatically generated">
+            <a:extLst>
+              <a:ext uri="{FF2B5EF4-FFF2-40B4-BE49-F238E27FC236}">
+                <a16:creationId xmlns:a16="http://schemas.microsoft.com/office/drawing/2014/main" id="{9EBAAB67-E65B-4A93-A337-CC42DEAB9373}"/>
               </a:ext>
             </a:extLst>
           </p:cNvPr>
@@ -9860,7 +10329,7 @@
             <p:ph idx="1"/>
           </p:nvPr>
         </p:nvPicPr>
-        <p:blipFill rotWithShape="1">
+        <p:blipFill>
           <a:blip r:embed="rId2">
             <a:extLst>
               <a:ext uri="{28A0092B-C50C-407E-A947-70E740481C1C}">
@@ -9868,23 +10337,21 @@
               </a:ext>
             </a:extLst>
           </a:blip>
-          <a:srcRect l="2922" r="816" b="-2"/>
-          <a:stretch/>
+          <a:stretch>
+            <a:fillRect/>
+          </a:stretch>
         </p:blipFill>
         <p:spPr>
           <a:xfrm>
-            <a:off x="838200" y="1845426"/>
-            <a:ext cx="10512547" cy="4450303"/>
+            <a:off x="3049037" y="212221"/>
+            <a:ext cx="6597261" cy="6645779"/>
           </a:xfrm>
-          <a:prstGeom prst="rect">
-            <a:avLst/>
-          </a:prstGeom>
         </p:spPr>
       </p:pic>
     </p:spTree>
     <p:extLst>
       <p:ext uri="{BB962C8B-B14F-4D97-AF65-F5344CB8AC3E}">
-        <p14:creationId xmlns:p14="http://schemas.microsoft.com/office/powerpoint/2010/main" val="1928075969"/>
+        <p14:creationId xmlns:p14="http://schemas.microsoft.com/office/powerpoint/2010/main" val="1559555937"/>
       </p:ext>
     </p:extLst>
   </p:cSld>
@@ -9921,10 +10388,10 @@
       </p:grpSpPr>
       <p:sp useBgFill="1">
         <p:nvSpPr>
-          <p:cNvPr id="14" name="Rectangle 7">
-            <a:extLst>
-              <a:ext uri="{FF2B5EF4-FFF2-40B4-BE49-F238E27FC236}">
-                <a16:creationId xmlns:a16="http://schemas.microsoft.com/office/drawing/2014/main" id="{1BB867FF-FC45-48F7-8104-F89BE54909F1}"/>
+          <p:cNvPr id="10" name="Rectangle 9">
+            <a:extLst>
+              <a:ext uri="{FF2B5EF4-FFF2-40B4-BE49-F238E27FC236}">
+                <a16:creationId xmlns:a16="http://schemas.microsoft.com/office/drawing/2014/main" id="{53F29798-D584-4792-9B62-3F5F5C36D619}"/>
               </a:ext>
               <a:ext uri="{C183D7F6-B498-43B3-948B-1728B52AA6E4}">
                 <adec:decorative xmlns:adec="http://schemas.microsoft.com/office/drawing/2017/decorative" val="1"/>
@@ -9944,7 +10411,7 @@
         </p:nvSpPr>
         <p:spPr>
           <a:xfrm>
-            <a:off x="3048" y="0"/>
+            <a:off x="0" y="0"/>
             <a:ext cx="12188952" cy="6858000"/>
           </a:xfrm>
           <a:prstGeom prst="rect">
@@ -9981,226 +10448,53 @@
       </p:sp>
       <p:sp>
         <p:nvSpPr>
-          <p:cNvPr id="15" name="Freeform: Shape 9">
-            <a:extLst>
-              <a:ext uri="{FF2B5EF4-FFF2-40B4-BE49-F238E27FC236}">
-                <a16:creationId xmlns:a16="http://schemas.microsoft.com/office/drawing/2014/main" id="{8BB56887-D0D5-4F0C-9E19-7247EB83C8B7}"/>
-              </a:ext>
-              <a:ext uri="{C183D7F6-B498-43B3-948B-1728B52AA6E4}">
-                <adec:decorative xmlns:adec="http://schemas.microsoft.com/office/drawing/2017/decorative" val="1"/>
-              </a:ext>
-            </a:extLst>
-          </p:cNvPr>
-          <p:cNvSpPr>
-            <a:spLocks noGrp="1" noRot="1" noChangeAspect="1" noMove="1" noResize="1" noEditPoints="1" noAdjustHandles="1" noChangeArrowheads="1" noChangeShapeType="1" noTextEdit="1"/>
-          </p:cNvSpPr>
-          <p:nvPr>
-            <p:extLst>
-              <p:ext uri="{386F3935-93C4-4BCD-93E2-E3B085C9AB24}">
-                <p16:designElem xmlns:p16="http://schemas.microsoft.com/office/powerpoint/2015/main" val="1"/>
-              </p:ext>
-            </p:extLst>
+          <p:cNvPr id="2" name="Title 1">
+            <a:extLst>
+              <a:ext uri="{FF2B5EF4-FFF2-40B4-BE49-F238E27FC236}">
+                <a16:creationId xmlns:a16="http://schemas.microsoft.com/office/drawing/2014/main" id="{69EDC3F6-5217-44FE-A26F-ADD2E8BFEDAF}"/>
+              </a:ext>
+            </a:extLst>
+          </p:cNvPr>
+          <p:cNvSpPr>
+            <a:spLocks noGrp="1"/>
+          </p:cNvSpPr>
+          <p:nvPr>
+            <p:ph type="title"/>
           </p:nvPr>
         </p:nvSpPr>
         <p:spPr>
           <a:xfrm>
-            <a:off x="10208695" y="1"/>
-            <a:ext cx="1135066" cy="477997"/>
-          </a:xfrm>
-          <a:custGeom>
-            <a:avLst/>
-            <a:gdLst>
-              <a:gd name="connsiteX0" fmla="*/ 0 w 1135066"/>
-              <a:gd name="connsiteY0" fmla="*/ 0 h 477997"/>
-              <a:gd name="connsiteX1" fmla="*/ 1135066 w 1135066"/>
-              <a:gd name="connsiteY1" fmla="*/ 0 h 477997"/>
-              <a:gd name="connsiteX2" fmla="*/ 1133370 w 1135066"/>
-              <a:gd name="connsiteY2" fmla="*/ 16827 h 477997"/>
-              <a:gd name="connsiteX3" fmla="*/ 567533 w 1135066"/>
-              <a:gd name="connsiteY3" fmla="*/ 477997 h 477997"/>
-              <a:gd name="connsiteX4" fmla="*/ 1696 w 1135066"/>
-              <a:gd name="connsiteY4" fmla="*/ 16827 h 477997"/>
-            </a:gdLst>
-            <a:ahLst/>
-            <a:cxnLst>
-              <a:cxn ang="0">
-                <a:pos x="connsiteX0" y="connsiteY0"/>
-              </a:cxn>
-              <a:cxn ang="0">
-                <a:pos x="connsiteX1" y="connsiteY1"/>
-              </a:cxn>
-              <a:cxn ang="0">
-                <a:pos x="connsiteX2" y="connsiteY2"/>
-              </a:cxn>
-              <a:cxn ang="0">
-                <a:pos x="connsiteX3" y="connsiteY3"/>
-              </a:cxn>
-              <a:cxn ang="0">
-                <a:pos x="connsiteX4" y="connsiteY4"/>
-              </a:cxn>
-            </a:cxnLst>
-            <a:rect l="l" t="t" r="r" b="b"/>
-            <a:pathLst>
-              <a:path w="1135066" h="477997">
-                <a:moveTo>
-                  <a:pt x="0" y="0"/>
-                </a:moveTo>
-                <a:lnTo>
-                  <a:pt x="1135066" y="0"/>
-                </a:lnTo>
-                <a:lnTo>
-                  <a:pt x="1133370" y="16827"/>
-                </a:lnTo>
-                <a:cubicBezTo>
-                  <a:pt x="1079514" y="280016"/>
-                  <a:pt x="846644" y="477997"/>
-                  <a:pt x="567533" y="477997"/>
-                </a:cubicBezTo>
-                <a:cubicBezTo>
-                  <a:pt x="288422" y="477997"/>
-                  <a:pt x="55552" y="280016"/>
-                  <a:pt x="1696" y="16827"/>
-                </a:cubicBezTo>
-                <a:close/>
-              </a:path>
-            </a:pathLst>
-          </a:custGeom>
-          <a:solidFill>
-            <a:schemeClr val="accent4"/>
-          </a:solidFill>
-          <a:ln>
-            <a:noFill/>
-          </a:ln>
-        </p:spPr>
-        <p:style>
-          <a:lnRef idx="2">
-            <a:schemeClr val="accent1">
-              <a:shade val="50000"/>
-            </a:schemeClr>
-          </a:lnRef>
-          <a:fillRef idx="1">
-            <a:schemeClr val="accent1"/>
-          </a:fillRef>
-          <a:effectRef idx="0">
-            <a:schemeClr val="accent1"/>
-          </a:effectRef>
-          <a:fontRef idx="minor">
-            <a:schemeClr val="lt1"/>
-          </a:fontRef>
-        </p:style>
-        <p:txBody>
-          <a:bodyPr wrap="square" rtlCol="0" anchor="ctr">
-            <a:noAutofit/>
-          </a:bodyPr>
-          <a:lstStyle/>
-          <a:p>
-            <a:pPr algn="ctr"/>
-            <a:endParaRPr lang="en-US"/>
-          </a:p>
-        </p:txBody>
-      </p:sp>
-      <p:sp>
-        <p:nvSpPr>
-          <p:cNvPr id="2" name="Title 1">
-            <a:extLst>
-              <a:ext uri="{FF2B5EF4-FFF2-40B4-BE49-F238E27FC236}">
-                <a16:creationId xmlns:a16="http://schemas.microsoft.com/office/drawing/2014/main" id="{BF982D7F-3CBC-4EA1-9448-9B91B6BAF6F5}"/>
-              </a:ext>
-            </a:extLst>
-          </p:cNvPr>
-          <p:cNvSpPr>
-            <a:spLocks noGrp="1"/>
-          </p:cNvSpPr>
-          <p:nvPr>
-            <p:ph type="title"/>
-          </p:nvPr>
-        </p:nvSpPr>
-        <p:spPr>
-          <a:xfrm>
-            <a:off x="838200" y="365125"/>
-            <a:ext cx="10515600" cy="1325563"/>
+            <a:off x="838200" y="562271"/>
+            <a:ext cx="10515600" cy="1128417"/>
           </a:xfrm>
         </p:spPr>
         <p:txBody>
-          <a:bodyPr>
+          <a:bodyPr vert="horz" lIns="91440" tIns="45720" rIns="91440" bIns="45720" rtlCol="0" anchor="ctr">
             <a:normAutofit/>
           </a:bodyPr>
           <a:lstStyle/>
           <a:p>
             <a:r>
               <a:rPr lang="en-US" dirty="0"/>
-              <a:t>CBC (Cipher Block Chaining)</a:t>
-            </a:r>
-          </a:p>
-        </p:txBody>
-      </p:sp>
-      <p:sp>
-        <p:nvSpPr>
-          <p:cNvPr id="16" name="Arc 11">
-            <a:extLst>
-              <a:ext uri="{FF2B5EF4-FFF2-40B4-BE49-F238E27FC236}">
-                <a16:creationId xmlns:a16="http://schemas.microsoft.com/office/drawing/2014/main" id="{081E4A58-353D-44AE-B2FC-2A74E2E400F7}"/>
-              </a:ext>
-              <a:ext uri="{C183D7F6-B498-43B3-948B-1728B52AA6E4}">
-                <adec:decorative xmlns:adec="http://schemas.microsoft.com/office/drawing/2017/decorative" val="1"/>
-              </a:ext>
-            </a:extLst>
-          </p:cNvPr>
-          <p:cNvSpPr>
-            <a:spLocks noGrp="1" noRot="1" noChangeAspect="1" noMove="1" noResize="1" noEditPoints="1" noAdjustHandles="1" noChangeArrowheads="1" noChangeShapeType="1" noTextEdit="1"/>
-          </p:cNvSpPr>
-          <p:nvPr>
-            <p:extLst>
-              <p:ext uri="{386F3935-93C4-4BCD-93E2-E3B085C9AB24}">
-                <p16:designElem xmlns:p16="http://schemas.microsoft.com/office/powerpoint/2015/main" val="1"/>
-              </p:ext>
-            </p:extLst>
-          </p:nvPr>
-        </p:nvSpPr>
-        <p:spPr>
-          <a:xfrm rot="5400000" flipV="1">
-            <a:off x="555710" y="2183223"/>
-            <a:ext cx="4083433" cy="4083433"/>
-          </a:xfrm>
-          <a:prstGeom prst="arc">
-            <a:avLst/>
-          </a:prstGeom>
-          <a:ln w="127000" cap="rnd">
-            <a:solidFill>
-              <a:schemeClr val="accent4"/>
-            </a:solidFill>
-            <a:prstDash val="dash"/>
-          </a:ln>
-        </p:spPr>
-        <p:style>
-          <a:lnRef idx="1">
-            <a:schemeClr val="accent1"/>
-          </a:lnRef>
-          <a:fillRef idx="0">
-            <a:schemeClr val="accent1"/>
-          </a:fillRef>
-          <a:effectRef idx="0">
-            <a:schemeClr val="accent1"/>
-          </a:effectRef>
-          <a:fontRef idx="minor">
-            <a:schemeClr val="tx1"/>
-          </a:fontRef>
-        </p:style>
-        <p:txBody>
-          <a:bodyPr rtlCol="0" anchor="ctr"/>
-          <a:lstStyle/>
-          <a:p>
-            <a:pPr algn="ctr"/>
-            <a:endParaRPr lang="en-US" dirty="0"/>
+              <a:t>ECB (Electronic </a:t>
+            </a:r>
+            <a:r>
+              <a:rPr lang="en-US" dirty="0" err="1"/>
+              <a:t>CodeBook</a:t>
+            </a:r>
+            <a:r>
+              <a:rPr lang="en-US" dirty="0"/>
+              <a:t>)</a:t>
+            </a:r>
           </a:p>
         </p:txBody>
       </p:sp>
       <p:pic>
         <p:nvPicPr>
-          <p:cNvPr id="5" name="Content Placeholder 4">
-            <a:extLst>
-              <a:ext uri="{FF2B5EF4-FFF2-40B4-BE49-F238E27FC236}">
-                <a16:creationId xmlns:a16="http://schemas.microsoft.com/office/drawing/2014/main" id="{E27E3FC7-86DF-4AA7-90C0-147DA0F85337}"/>
+          <p:cNvPr id="5" name="Content Placeholder 4" descr="Diagram&#10;&#10;Description automatically generated">
+            <a:extLst>
+              <a:ext uri="{FF2B5EF4-FFF2-40B4-BE49-F238E27FC236}">
+                <a16:creationId xmlns:a16="http://schemas.microsoft.com/office/drawing/2014/main" id="{3684F08B-EC7F-4999-8395-74B22CF48064}"/>
               </a:ext>
             </a:extLst>
           </p:cNvPr>
@@ -10211,7 +10505,7 @@
             <p:ph idx="1"/>
           </p:nvPr>
         </p:nvPicPr>
-        <p:blipFill>
+        <p:blipFill rotWithShape="1">
           <a:blip r:embed="rId2">
             <a:extLst>
               <a:ext uri="{28A0092B-C50C-407E-A947-70E740481C1C}">
@@ -10219,21 +10513,23 @@
               </a:ext>
             </a:extLst>
           </a:blip>
-          <a:stretch>
-            <a:fillRect/>
-          </a:stretch>
+          <a:srcRect l="2922" r="816" b="-2"/>
+          <a:stretch/>
         </p:blipFill>
         <p:spPr>
           <a:xfrm>
-            <a:off x="2047875" y="2334419"/>
-            <a:ext cx="8096250" cy="3333750"/>
+            <a:off x="838200" y="1845426"/>
+            <a:ext cx="10512547" cy="4450303"/>
           </a:xfrm>
+          <a:prstGeom prst="rect">
+            <a:avLst/>
+          </a:prstGeom>
         </p:spPr>
       </p:pic>
     </p:spTree>
     <p:extLst>
       <p:ext uri="{BB962C8B-B14F-4D97-AF65-F5344CB8AC3E}">
-        <p14:creationId xmlns:p14="http://schemas.microsoft.com/office/powerpoint/2010/main" val="304505725"/>
+        <p14:creationId xmlns:p14="http://schemas.microsoft.com/office/powerpoint/2010/main" val="1928075969"/>
       </p:ext>
     </p:extLst>
   </p:cSld>
@@ -12744,6 +13040,558 @@
 </p:sld>
 </file>
 
+<file path=ppt/slides/slide24.xml><?xml version="1.0" encoding="utf-8"?>
+<p:sld xmlns:a="http://schemas.openxmlformats.org/drawingml/2006/main" xmlns:r="http://schemas.openxmlformats.org/officeDocument/2006/relationships" xmlns:p="http://schemas.openxmlformats.org/presentationml/2006/main">
+  <p:cSld>
+    <p:spTree>
+      <p:nvGrpSpPr>
+        <p:cNvPr id="1" name=""/>
+        <p:cNvGrpSpPr/>
+        <p:nvPr/>
+      </p:nvGrpSpPr>
+      <p:grpSpPr>
+        <a:xfrm>
+          <a:off x="0" y="0"/>
+          <a:ext cx="0" cy="0"/>
+          <a:chOff x="0" y="0"/>
+          <a:chExt cx="0" cy="0"/>
+        </a:xfrm>
+      </p:grpSpPr>
+      <p:sp>
+        <p:nvSpPr>
+          <p:cNvPr id="2" name="Title 1">
+            <a:extLst>
+              <a:ext uri="{FF2B5EF4-FFF2-40B4-BE49-F238E27FC236}">
+                <a16:creationId xmlns:a16="http://schemas.microsoft.com/office/drawing/2014/main" id="{08320E69-8285-4C1A-9364-C8B1393BF315}"/>
+              </a:ext>
+            </a:extLst>
+          </p:cNvPr>
+          <p:cNvSpPr>
+            <a:spLocks noGrp="1"/>
+          </p:cNvSpPr>
+          <p:nvPr>
+            <p:ph type="title"/>
+          </p:nvPr>
+        </p:nvSpPr>
+        <p:spPr/>
+        <p:txBody>
+          <a:bodyPr/>
+          <a:lstStyle/>
+          <a:p>
+            <a:r>
+              <a:rPr lang="en-US" dirty="0"/>
+              <a:t>5. </a:t>
+            </a:r>
+            <a:r>
+              <a:rPr lang="en-US" dirty="0" err="1"/>
+              <a:t>Kết</a:t>
+            </a:r>
+            <a:r>
+              <a:rPr lang="en-US" dirty="0"/>
+              <a:t> </a:t>
+            </a:r>
+            <a:r>
+              <a:rPr lang="en-US" dirty="0" err="1"/>
+              <a:t>quả</a:t>
+            </a:r>
+            <a:r>
+              <a:rPr lang="en-US" dirty="0"/>
+              <a:t> </a:t>
+            </a:r>
+            <a:r>
+              <a:rPr lang="en-US" dirty="0" err="1"/>
+              <a:t>đạt</a:t>
+            </a:r>
+            <a:r>
+              <a:rPr lang="en-US" dirty="0"/>
+              <a:t> </a:t>
+            </a:r>
+            <a:r>
+              <a:rPr lang="en-US" dirty="0" err="1"/>
+              <a:t>được</a:t>
+            </a:r>
+            <a:endParaRPr lang="en-US" dirty="0"/>
+          </a:p>
+        </p:txBody>
+      </p:sp>
+      <p:sp>
+        <p:nvSpPr>
+          <p:cNvPr id="3" name="Content Placeholder 2">
+            <a:extLst>
+              <a:ext uri="{FF2B5EF4-FFF2-40B4-BE49-F238E27FC236}">
+                <a16:creationId xmlns:a16="http://schemas.microsoft.com/office/drawing/2014/main" id="{F8840FEC-403B-4ADC-BFB0-A745F572FCE4}"/>
+              </a:ext>
+            </a:extLst>
+          </p:cNvPr>
+          <p:cNvSpPr>
+            <a:spLocks noGrp="1"/>
+          </p:cNvSpPr>
+          <p:nvPr>
+            <p:ph idx="1"/>
+          </p:nvPr>
+        </p:nvSpPr>
+        <p:spPr/>
+        <p:txBody>
+          <a:bodyPr/>
+          <a:lstStyle/>
+          <a:p>
+            <a:pPr marL="0" indent="0">
+              <a:buNone/>
+            </a:pPr>
+            <a:r>
+              <a:rPr lang="en-US" dirty="0" err="1"/>
+              <a:t>Sử</a:t>
+            </a:r>
+            <a:r>
+              <a:rPr lang="en-US" dirty="0"/>
+              <a:t> </a:t>
+            </a:r>
+            <a:r>
+              <a:rPr lang="en-US" dirty="0" err="1"/>
+              <a:t>dụng</a:t>
+            </a:r>
+            <a:r>
+              <a:rPr lang="en-US" dirty="0"/>
+              <a:t> private key:</a:t>
+            </a:r>
+          </a:p>
+        </p:txBody>
+      </p:sp>
+    </p:spTree>
+    <p:extLst>
+      <p:ext uri="{BB962C8B-B14F-4D97-AF65-F5344CB8AC3E}">
+        <p14:creationId xmlns:p14="http://schemas.microsoft.com/office/powerpoint/2010/main" val="3890088980"/>
+      </p:ext>
+    </p:extLst>
+  </p:cSld>
+  <p:clrMapOvr>
+    <a:masterClrMapping/>
+  </p:clrMapOvr>
+</p:sld>
+</file>
+
+<file path=ppt/slides/slide25.xml><?xml version="1.0" encoding="utf-8"?>
+<p:sld xmlns:a="http://schemas.openxmlformats.org/drawingml/2006/main" xmlns:r="http://schemas.openxmlformats.org/officeDocument/2006/relationships" xmlns:p="http://schemas.openxmlformats.org/presentationml/2006/main">
+  <p:cSld>
+    <p:spTree>
+      <p:nvGrpSpPr>
+        <p:cNvPr id="1" name=""/>
+        <p:cNvGrpSpPr/>
+        <p:nvPr/>
+      </p:nvGrpSpPr>
+      <p:grpSpPr>
+        <a:xfrm>
+          <a:off x="0" y="0"/>
+          <a:ext cx="0" cy="0"/>
+          <a:chOff x="0" y="0"/>
+          <a:chExt cx="0" cy="0"/>
+        </a:xfrm>
+      </p:grpSpPr>
+      <p:sp>
+        <p:nvSpPr>
+          <p:cNvPr id="2" name="Title 1">
+            <a:extLst>
+              <a:ext uri="{FF2B5EF4-FFF2-40B4-BE49-F238E27FC236}">
+                <a16:creationId xmlns:a16="http://schemas.microsoft.com/office/drawing/2014/main" id="{C6CA5D51-3A34-479D-8A3C-C4E48B447A96}"/>
+              </a:ext>
+            </a:extLst>
+          </p:cNvPr>
+          <p:cNvSpPr>
+            <a:spLocks noGrp="1"/>
+          </p:cNvSpPr>
+          <p:nvPr>
+            <p:ph type="title"/>
+          </p:nvPr>
+        </p:nvSpPr>
+        <p:spPr/>
+        <p:txBody>
+          <a:bodyPr/>
+          <a:lstStyle/>
+          <a:p>
+            <a:r>
+              <a:rPr lang="en-US" dirty="0"/>
+              <a:t>5 </a:t>
+            </a:r>
+            <a:r>
+              <a:rPr lang="en-US" dirty="0" err="1"/>
+              <a:t>Kết</a:t>
+            </a:r>
+            <a:r>
+              <a:rPr lang="en-US" dirty="0"/>
+              <a:t> </a:t>
+            </a:r>
+            <a:r>
+              <a:rPr lang="en-US" dirty="0" err="1"/>
+              <a:t>quả</a:t>
+            </a:r>
+            <a:r>
+              <a:rPr lang="en-US" dirty="0"/>
+              <a:t> </a:t>
+            </a:r>
+            <a:r>
+              <a:rPr lang="en-US" dirty="0" err="1"/>
+              <a:t>đạt</a:t>
+            </a:r>
+            <a:r>
+              <a:rPr lang="en-US" dirty="0"/>
+              <a:t> </a:t>
+            </a:r>
+            <a:r>
+              <a:rPr lang="en-US" dirty="0" err="1"/>
+              <a:t>được</a:t>
+            </a:r>
+            <a:endParaRPr lang="en-US" dirty="0"/>
+          </a:p>
+        </p:txBody>
+      </p:sp>
+      <p:sp>
+        <p:nvSpPr>
+          <p:cNvPr id="3" name="Content Placeholder 2">
+            <a:extLst>
+              <a:ext uri="{FF2B5EF4-FFF2-40B4-BE49-F238E27FC236}">
+                <a16:creationId xmlns:a16="http://schemas.microsoft.com/office/drawing/2014/main" id="{CB9D9654-92F2-4D24-94F2-3E93C7492E14}"/>
+              </a:ext>
+            </a:extLst>
+          </p:cNvPr>
+          <p:cNvSpPr>
+            <a:spLocks noGrp="1"/>
+          </p:cNvSpPr>
+          <p:nvPr>
+            <p:ph idx="1"/>
+          </p:nvPr>
+        </p:nvSpPr>
+        <p:spPr/>
+        <p:txBody>
+          <a:bodyPr/>
+          <a:lstStyle/>
+          <a:p>
+            <a:r>
+              <a:rPr lang="en-US" dirty="0" err="1"/>
+              <a:t>Sử</a:t>
+            </a:r>
+            <a:r>
+              <a:rPr lang="en-US" dirty="0"/>
+              <a:t> </a:t>
+            </a:r>
+            <a:r>
+              <a:rPr lang="en-US" dirty="0" err="1"/>
+              <a:t>dụng</a:t>
+            </a:r>
+            <a:r>
+              <a:rPr lang="en-US" dirty="0"/>
+              <a:t> </a:t>
+            </a:r>
+            <a:r>
+              <a:rPr lang="en-US" dirty="0" err="1"/>
+              <a:t>xác</a:t>
+            </a:r>
+            <a:r>
+              <a:rPr lang="en-US" dirty="0"/>
+              <a:t> </a:t>
+            </a:r>
+            <a:r>
+              <a:rPr lang="en-US" dirty="0" err="1"/>
+              <a:t>thực</a:t>
+            </a:r>
+            <a:r>
+              <a:rPr lang="en-US" dirty="0"/>
+              <a:t> broker-client</a:t>
+            </a:r>
+          </a:p>
+        </p:txBody>
+      </p:sp>
+    </p:spTree>
+    <p:extLst>
+      <p:ext uri="{BB962C8B-B14F-4D97-AF65-F5344CB8AC3E}">
+        <p14:creationId xmlns:p14="http://schemas.microsoft.com/office/powerpoint/2010/main" val="577464444"/>
+      </p:ext>
+    </p:extLst>
+  </p:cSld>
+  <p:clrMapOvr>
+    <a:masterClrMapping/>
+  </p:clrMapOvr>
+</p:sld>
+</file>
+
+<file path=ppt/slides/slide26.xml><?xml version="1.0" encoding="utf-8"?>
+<p:sld xmlns:a="http://schemas.openxmlformats.org/drawingml/2006/main" xmlns:r="http://schemas.openxmlformats.org/officeDocument/2006/relationships" xmlns:p="http://schemas.openxmlformats.org/presentationml/2006/main">
+  <p:cSld>
+    <p:spTree>
+      <p:nvGrpSpPr>
+        <p:cNvPr id="1" name=""/>
+        <p:cNvGrpSpPr/>
+        <p:nvPr/>
+      </p:nvGrpSpPr>
+      <p:grpSpPr>
+        <a:xfrm>
+          <a:off x="0" y="0"/>
+          <a:ext cx="0" cy="0"/>
+          <a:chOff x="0" y="0"/>
+          <a:chExt cx="0" cy="0"/>
+        </a:xfrm>
+      </p:grpSpPr>
+      <p:sp>
+        <p:nvSpPr>
+          <p:cNvPr id="2" name="Title 1">
+            <a:extLst>
+              <a:ext uri="{FF2B5EF4-FFF2-40B4-BE49-F238E27FC236}">
+                <a16:creationId xmlns:a16="http://schemas.microsoft.com/office/drawing/2014/main" id="{29399156-1CAD-481A-859F-828C95C78901}"/>
+              </a:ext>
+            </a:extLst>
+          </p:cNvPr>
+          <p:cNvSpPr>
+            <a:spLocks noGrp="1"/>
+          </p:cNvSpPr>
+          <p:nvPr>
+            <p:ph type="title"/>
+          </p:nvPr>
+        </p:nvSpPr>
+        <p:spPr/>
+        <p:txBody>
+          <a:bodyPr/>
+          <a:lstStyle/>
+          <a:p>
+            <a:r>
+              <a:rPr lang="en-US" dirty="0"/>
+              <a:t>5.Kết </a:t>
+            </a:r>
+            <a:r>
+              <a:rPr lang="en-US" dirty="0" err="1"/>
+              <a:t>quả</a:t>
+            </a:r>
+            <a:r>
+              <a:rPr lang="en-US" dirty="0"/>
+              <a:t> </a:t>
+            </a:r>
+            <a:r>
+              <a:rPr lang="en-US" dirty="0" err="1"/>
+              <a:t>đạt</a:t>
+            </a:r>
+            <a:r>
+              <a:rPr lang="en-US" dirty="0"/>
+              <a:t> </a:t>
+            </a:r>
+            <a:r>
+              <a:rPr lang="en-US" dirty="0" err="1"/>
+              <a:t>được</a:t>
+            </a:r>
+            <a:endParaRPr lang="en-US" dirty="0"/>
+          </a:p>
+        </p:txBody>
+      </p:sp>
+      <p:sp>
+        <p:nvSpPr>
+          <p:cNvPr id="3" name="Content Placeholder 2">
+            <a:extLst>
+              <a:ext uri="{FF2B5EF4-FFF2-40B4-BE49-F238E27FC236}">
+                <a16:creationId xmlns:a16="http://schemas.microsoft.com/office/drawing/2014/main" id="{30A8DE22-A3BB-4B11-A751-B3D03D630865}"/>
+              </a:ext>
+            </a:extLst>
+          </p:cNvPr>
+          <p:cNvSpPr>
+            <a:spLocks noGrp="1"/>
+          </p:cNvSpPr>
+          <p:nvPr>
+            <p:ph idx="1"/>
+          </p:nvPr>
+        </p:nvSpPr>
+        <p:spPr/>
+        <p:txBody>
+          <a:bodyPr/>
+          <a:lstStyle/>
+          <a:p>
+            <a:r>
+              <a:rPr lang="en-US" dirty="0" err="1"/>
+              <a:t>Xác</a:t>
+            </a:r>
+            <a:r>
+              <a:rPr lang="en-US" dirty="0"/>
+              <a:t> </a:t>
+            </a:r>
+            <a:r>
+              <a:rPr lang="en-US" dirty="0" err="1"/>
+              <a:t>thực</a:t>
+            </a:r>
+            <a:r>
+              <a:rPr lang="en-US" dirty="0"/>
+              <a:t> </a:t>
+            </a:r>
+            <a:r>
+              <a:rPr lang="en-US" dirty="0" err="1"/>
+              <a:t>từ</a:t>
+            </a:r>
+            <a:r>
+              <a:rPr lang="en-US" dirty="0"/>
+              <a:t> </a:t>
+            </a:r>
+            <a:r>
+              <a:rPr lang="en-US" dirty="0" err="1"/>
+              <a:t>phía</a:t>
+            </a:r>
+            <a:r>
+              <a:rPr lang="en-US" dirty="0"/>
+              <a:t> Web server – </a:t>
+            </a:r>
+            <a:r>
+              <a:rPr lang="en-US" dirty="0" err="1"/>
+              <a:t>người</a:t>
+            </a:r>
+            <a:r>
+              <a:rPr lang="en-US" dirty="0"/>
+              <a:t> </a:t>
+            </a:r>
+            <a:r>
+              <a:rPr lang="en-US" dirty="0" err="1"/>
+              <a:t>dùng</a:t>
+            </a:r>
+            <a:endParaRPr lang="en-US" dirty="0"/>
+          </a:p>
+        </p:txBody>
+      </p:sp>
+    </p:spTree>
+    <p:extLst>
+      <p:ext uri="{BB962C8B-B14F-4D97-AF65-F5344CB8AC3E}">
+        <p14:creationId xmlns:p14="http://schemas.microsoft.com/office/powerpoint/2010/main" val="3782136125"/>
+      </p:ext>
+    </p:extLst>
+  </p:cSld>
+  <p:clrMapOvr>
+    <a:masterClrMapping/>
+  </p:clrMapOvr>
+</p:sld>
+</file>
+
+<file path=ppt/slides/slide27.xml><?xml version="1.0" encoding="utf-8"?>
+<p:sld xmlns:a="http://schemas.openxmlformats.org/drawingml/2006/main" xmlns:r="http://schemas.openxmlformats.org/officeDocument/2006/relationships" xmlns:p="http://schemas.openxmlformats.org/presentationml/2006/main">
+  <p:cSld>
+    <p:spTree>
+      <p:nvGrpSpPr>
+        <p:cNvPr id="1" name=""/>
+        <p:cNvGrpSpPr/>
+        <p:nvPr/>
+      </p:nvGrpSpPr>
+      <p:grpSpPr>
+        <a:xfrm>
+          <a:off x="0" y="0"/>
+          <a:ext cx="0" cy="0"/>
+          <a:chOff x="0" y="0"/>
+          <a:chExt cx="0" cy="0"/>
+        </a:xfrm>
+      </p:grpSpPr>
+      <p:sp>
+        <p:nvSpPr>
+          <p:cNvPr id="2" name="Title 1">
+            <a:extLst>
+              <a:ext uri="{FF2B5EF4-FFF2-40B4-BE49-F238E27FC236}">
+                <a16:creationId xmlns:a16="http://schemas.microsoft.com/office/drawing/2014/main" id="{AD41CA29-0E77-4DB4-8A03-D834A4C89D67}"/>
+              </a:ext>
+            </a:extLst>
+          </p:cNvPr>
+          <p:cNvSpPr>
+            <a:spLocks noGrp="1"/>
+          </p:cNvSpPr>
+          <p:nvPr>
+            <p:ph type="title"/>
+          </p:nvPr>
+        </p:nvSpPr>
+        <p:spPr/>
+        <p:txBody>
+          <a:bodyPr/>
+          <a:lstStyle/>
+          <a:p>
+            <a:r>
+              <a:rPr lang="en-US" dirty="0"/>
+              <a:t>5. </a:t>
+            </a:r>
+            <a:r>
+              <a:rPr lang="en-US" dirty="0" err="1"/>
+              <a:t>Kết</a:t>
+            </a:r>
+            <a:r>
+              <a:rPr lang="en-US" dirty="0"/>
+              <a:t> </a:t>
+            </a:r>
+            <a:r>
+              <a:rPr lang="en-US" dirty="0" err="1"/>
+              <a:t>quả</a:t>
+            </a:r>
+            <a:r>
+              <a:rPr lang="en-US" dirty="0"/>
+              <a:t> </a:t>
+            </a:r>
+            <a:r>
+              <a:rPr lang="en-US" dirty="0" err="1"/>
+              <a:t>đạt</a:t>
+            </a:r>
+            <a:r>
+              <a:rPr lang="en-US" dirty="0"/>
+              <a:t> </a:t>
+            </a:r>
+            <a:r>
+              <a:rPr lang="en-US" dirty="0" err="1"/>
+              <a:t>được</a:t>
+            </a:r>
+            <a:endParaRPr lang="en-US" dirty="0"/>
+          </a:p>
+        </p:txBody>
+      </p:sp>
+      <p:sp>
+        <p:nvSpPr>
+          <p:cNvPr id="3" name="Content Placeholder 2">
+            <a:extLst>
+              <a:ext uri="{FF2B5EF4-FFF2-40B4-BE49-F238E27FC236}">
+                <a16:creationId xmlns:a16="http://schemas.microsoft.com/office/drawing/2014/main" id="{FDD32745-F682-47A9-BB7A-E5A5384BD0C1}"/>
+              </a:ext>
+            </a:extLst>
+          </p:cNvPr>
+          <p:cNvSpPr>
+            <a:spLocks noGrp="1"/>
+          </p:cNvSpPr>
+          <p:nvPr>
+            <p:ph idx="1"/>
+          </p:nvPr>
+        </p:nvSpPr>
+        <p:spPr/>
+        <p:txBody>
+          <a:bodyPr/>
+          <a:lstStyle/>
+          <a:p>
+            <a:r>
+              <a:rPr lang="en-US" dirty="0" err="1"/>
+              <a:t>Sử</a:t>
+            </a:r>
+            <a:r>
+              <a:rPr lang="en-US" dirty="0"/>
+              <a:t> </a:t>
+            </a:r>
+            <a:r>
+              <a:rPr lang="en-US" dirty="0" err="1"/>
+              <a:t>dụng</a:t>
+            </a:r>
+            <a:r>
+              <a:rPr lang="en-US" dirty="0"/>
+              <a:t> </a:t>
+            </a:r>
+            <a:r>
+              <a:rPr lang="en-US"/>
+              <a:t>Public Key</a:t>
+            </a:r>
+          </a:p>
+        </p:txBody>
+      </p:sp>
+    </p:spTree>
+    <p:extLst>
+      <p:ext uri="{BB962C8B-B14F-4D97-AF65-F5344CB8AC3E}">
+        <p14:creationId xmlns:p14="http://schemas.microsoft.com/office/powerpoint/2010/main" val="1402039188"/>
+      </p:ext>
+    </p:extLst>
+  </p:cSld>
+  <p:clrMapOvr>
+    <a:masterClrMapping/>
+  </p:clrMapOvr>
+</p:sld>
+</file>
+
 <file path=ppt/slides/slide3.xml><?xml version="1.0" encoding="utf-8"?>
 <p:sld xmlns:a="http://schemas.openxmlformats.org/drawingml/2006/main" xmlns:r="http://schemas.openxmlformats.org/officeDocument/2006/relationships" xmlns:p="http://schemas.openxmlformats.org/presentationml/2006/main">
   <p:cSld>
@@ -14025,266 +14873,6 @@
           </a:p>
         </p:txBody>
       </p:sp>
-      <p:sp>
-        <p:nvSpPr>
-          <p:cNvPr id="3" name="Content Placeholder 2">
-            <a:extLst>
-              <a:ext uri="{FF2B5EF4-FFF2-40B4-BE49-F238E27FC236}">
-                <a16:creationId xmlns:a16="http://schemas.microsoft.com/office/drawing/2014/main" id="{83447D3F-5DE9-4871-A9BD-A23B32C1045C}"/>
-              </a:ext>
-            </a:extLst>
-          </p:cNvPr>
-          <p:cNvSpPr>
-            <a:spLocks noGrp="1"/>
-          </p:cNvSpPr>
-          <p:nvPr>
-            <p:ph idx="1"/>
-          </p:nvPr>
-        </p:nvSpPr>
-        <p:spPr/>
-        <p:txBody>
-          <a:bodyPr/>
-          <a:lstStyle/>
-          <a:p>
-            <a:r>
-              <a:rPr lang="en-US" dirty="0"/>
-              <a:t>MQTT </a:t>
-            </a:r>
-            <a:r>
-              <a:rPr lang="en-US" dirty="0" err="1"/>
-              <a:t>là</a:t>
-            </a:r>
-            <a:r>
-              <a:rPr lang="en-US" dirty="0"/>
-              <a:t> </a:t>
-            </a:r>
-            <a:r>
-              <a:rPr lang="en-US" dirty="0" err="1"/>
-              <a:t>giao</a:t>
-            </a:r>
-            <a:r>
-              <a:rPr lang="en-US" dirty="0"/>
-              <a:t> </a:t>
-            </a:r>
-            <a:r>
-              <a:rPr lang="en-US" dirty="0" err="1"/>
-              <a:t>thức</a:t>
-            </a:r>
-            <a:r>
-              <a:rPr lang="en-US" dirty="0"/>
-              <a:t> </a:t>
-            </a:r>
-            <a:r>
-              <a:rPr lang="en-US" dirty="0" err="1"/>
-              <a:t>truyền</a:t>
-            </a:r>
-            <a:r>
-              <a:rPr lang="en-US" dirty="0"/>
-              <a:t> </a:t>
-            </a:r>
-            <a:r>
-              <a:rPr lang="en-US" dirty="0" err="1"/>
-              <a:t>thông</a:t>
-            </a:r>
-            <a:r>
-              <a:rPr lang="en-US" dirty="0"/>
-              <a:t> </a:t>
-            </a:r>
-            <a:r>
-              <a:rPr lang="en-US" dirty="0" err="1"/>
-              <a:t>điệp</a:t>
-            </a:r>
-            <a:r>
-              <a:rPr lang="en-US" dirty="0"/>
-              <a:t> (message) </a:t>
-            </a:r>
-            <a:r>
-              <a:rPr lang="en-US" dirty="0" err="1"/>
-              <a:t>theo</a:t>
-            </a:r>
-            <a:r>
-              <a:rPr lang="en-US" dirty="0"/>
-              <a:t> </a:t>
-            </a:r>
-            <a:r>
-              <a:rPr lang="en-US" dirty="0" err="1"/>
-              <a:t>mô</a:t>
-            </a:r>
-            <a:r>
-              <a:rPr lang="en-US" dirty="0"/>
-              <a:t> </a:t>
-            </a:r>
-            <a:r>
-              <a:rPr lang="en-US" dirty="0" err="1"/>
-              <a:t>hình</a:t>
-            </a:r>
-            <a:r>
-              <a:rPr lang="en-US" dirty="0"/>
-              <a:t> publish/subscribe, suer </a:t>
-            </a:r>
-            <a:r>
-              <a:rPr lang="en-US" dirty="0" err="1"/>
-              <a:t>dụng</a:t>
-            </a:r>
-            <a:r>
-              <a:rPr lang="en-US" dirty="0"/>
-              <a:t> bang </a:t>
-            </a:r>
-            <a:r>
-              <a:rPr lang="en-US" dirty="0" err="1"/>
-              <a:t>thông</a:t>
-            </a:r>
-            <a:r>
-              <a:rPr lang="en-US" dirty="0"/>
-              <a:t> </a:t>
-            </a:r>
-            <a:r>
-              <a:rPr lang="en-US" dirty="0" err="1"/>
-              <a:t>thấp</a:t>
-            </a:r>
-            <a:r>
-              <a:rPr lang="en-US" dirty="0"/>
-              <a:t>, </a:t>
-            </a:r>
-            <a:r>
-              <a:rPr lang="en-US" dirty="0" err="1"/>
-              <a:t>độ</a:t>
-            </a:r>
-            <a:r>
-              <a:rPr lang="en-US" dirty="0"/>
-              <a:t> tin </a:t>
-            </a:r>
-            <a:r>
-              <a:rPr lang="en-US" dirty="0" err="1"/>
-              <a:t>cậy</a:t>
-            </a:r>
-            <a:r>
-              <a:rPr lang="en-US" dirty="0"/>
-              <a:t> </a:t>
-            </a:r>
-            <a:r>
-              <a:rPr lang="en-US" dirty="0" err="1"/>
-              <a:t>cao</a:t>
-            </a:r>
-            <a:r>
-              <a:rPr lang="en-US" dirty="0"/>
-              <a:t> </a:t>
-            </a:r>
-            <a:r>
-              <a:rPr lang="en-US" dirty="0" err="1"/>
-              <a:t>và</a:t>
-            </a:r>
-            <a:r>
-              <a:rPr lang="en-US" dirty="0"/>
-              <a:t> </a:t>
-            </a:r>
-            <a:r>
-              <a:rPr lang="en-US" dirty="0" err="1"/>
-              <a:t>có</a:t>
-            </a:r>
-            <a:r>
-              <a:rPr lang="en-US" dirty="0"/>
-              <a:t> </a:t>
-            </a:r>
-            <a:r>
-              <a:rPr lang="en-US" dirty="0" err="1"/>
-              <a:t>khả</a:t>
-            </a:r>
-            <a:r>
-              <a:rPr lang="en-US" dirty="0"/>
-              <a:t> </a:t>
-            </a:r>
-            <a:r>
-              <a:rPr lang="en-US" dirty="0" err="1"/>
-              <a:t>năng</a:t>
-            </a:r>
-            <a:r>
-              <a:rPr lang="en-US" dirty="0"/>
-              <a:t> </a:t>
-            </a:r>
-            <a:r>
-              <a:rPr lang="en-US" dirty="0" err="1"/>
-              <a:t>hoạt</a:t>
-            </a:r>
-            <a:r>
-              <a:rPr lang="en-US" dirty="0"/>
-              <a:t> </a:t>
-            </a:r>
-            <a:r>
-              <a:rPr lang="en-US" dirty="0" err="1"/>
-              <a:t>động</a:t>
-            </a:r>
-            <a:r>
-              <a:rPr lang="en-US" dirty="0"/>
-              <a:t> </a:t>
-            </a:r>
-            <a:r>
-              <a:rPr lang="en-US" dirty="0" err="1"/>
-              <a:t>trong</a:t>
-            </a:r>
-            <a:r>
-              <a:rPr lang="en-US" dirty="0"/>
-              <a:t> </a:t>
-            </a:r>
-            <a:r>
-              <a:rPr lang="en-US" dirty="0" err="1"/>
-              <a:t>điều</a:t>
-            </a:r>
-            <a:r>
-              <a:rPr lang="en-US" dirty="0"/>
-              <a:t> </a:t>
-            </a:r>
-            <a:r>
-              <a:rPr lang="en-US" dirty="0" err="1"/>
-              <a:t>kiện</a:t>
-            </a:r>
-            <a:r>
-              <a:rPr lang="en-US" dirty="0"/>
-              <a:t> </a:t>
-            </a:r>
-            <a:r>
-              <a:rPr lang="en-US" dirty="0" err="1"/>
-              <a:t>đường</a:t>
-            </a:r>
-            <a:r>
-              <a:rPr lang="en-US" dirty="0"/>
-              <a:t> </a:t>
-            </a:r>
-            <a:r>
-              <a:rPr lang="en-US" dirty="0" err="1"/>
-              <a:t>truyền</a:t>
-            </a:r>
-            <a:r>
-              <a:rPr lang="en-US" dirty="0"/>
-              <a:t> </a:t>
-            </a:r>
-            <a:r>
-              <a:rPr lang="en-US" dirty="0" err="1"/>
-              <a:t>không</a:t>
-            </a:r>
-            <a:r>
-              <a:rPr lang="en-US" dirty="0"/>
-              <a:t> </a:t>
-            </a:r>
-            <a:r>
-              <a:rPr lang="en-US" dirty="0" err="1"/>
-              <a:t>ổn</a:t>
-            </a:r>
-            <a:r>
-              <a:rPr lang="en-US" dirty="0"/>
-              <a:t> </a:t>
-            </a:r>
-            <a:r>
-              <a:rPr lang="en-US" dirty="0" err="1"/>
-              <a:t>định</a:t>
-            </a:r>
-            <a:endParaRPr lang="en-US" dirty="0"/>
-          </a:p>
-          <a:p>
-            <a:endParaRPr lang="en-US" dirty="0"/>
-          </a:p>
-        </p:txBody>
-      </p:sp>
       <p:pic>
         <p:nvPicPr>
           <p:cNvPr id="5" name="Picture 4">
@@ -14307,8 +14895,8 @@
         </p:blipFill>
         <p:spPr>
           <a:xfrm>
-            <a:off x="3118339" y="3175393"/>
-            <a:ext cx="5084517" cy="3136507"/>
+            <a:off x="1045074" y="1363186"/>
+            <a:ext cx="8152265" cy="5028922"/>
           </a:xfrm>
           <a:prstGeom prst="rect">
             <a:avLst/>
@@ -14329,6 +14917,195 @@
 </file>
 
 <file path=ppt/slides/slide6.xml><?xml version="1.0" encoding="utf-8"?>
+<p:sld xmlns:a="http://schemas.openxmlformats.org/drawingml/2006/main" xmlns:r="http://schemas.openxmlformats.org/officeDocument/2006/relationships" xmlns:p="http://schemas.openxmlformats.org/presentationml/2006/main">
+  <p:cSld>
+    <p:spTree>
+      <p:nvGrpSpPr>
+        <p:cNvPr id="1" name=""/>
+        <p:cNvGrpSpPr/>
+        <p:nvPr/>
+      </p:nvGrpSpPr>
+      <p:grpSpPr>
+        <a:xfrm>
+          <a:off x="0" y="0"/>
+          <a:ext cx="0" cy="0"/>
+          <a:chOff x="0" y="0"/>
+          <a:chExt cx="0" cy="0"/>
+        </a:xfrm>
+      </p:grpSpPr>
+      <p:sp>
+        <p:nvSpPr>
+          <p:cNvPr id="2" name="Title 1">
+            <a:extLst>
+              <a:ext uri="{FF2B5EF4-FFF2-40B4-BE49-F238E27FC236}">
+                <a16:creationId xmlns:a16="http://schemas.microsoft.com/office/drawing/2014/main" id="{99C7606A-B5CA-4DA6-8286-B31CD888FBAA}"/>
+              </a:ext>
+            </a:extLst>
+          </p:cNvPr>
+          <p:cNvSpPr>
+            <a:spLocks noGrp="1"/>
+          </p:cNvSpPr>
+          <p:nvPr>
+            <p:ph type="title"/>
+          </p:nvPr>
+        </p:nvSpPr>
+        <p:spPr/>
+        <p:txBody>
+          <a:bodyPr/>
+          <a:lstStyle/>
+          <a:p>
+            <a:r>
+              <a:rPr lang="en-US" dirty="0"/>
+              <a:t>1.2 MQTT</a:t>
+            </a:r>
+          </a:p>
+        </p:txBody>
+      </p:sp>
+      <p:sp>
+        <p:nvSpPr>
+          <p:cNvPr id="3" name="Content Placeholder 2">
+            <a:extLst>
+              <a:ext uri="{FF2B5EF4-FFF2-40B4-BE49-F238E27FC236}">
+                <a16:creationId xmlns:a16="http://schemas.microsoft.com/office/drawing/2014/main" id="{1B202B57-1878-4470-B51A-A8A9832E268C}"/>
+              </a:ext>
+            </a:extLst>
+          </p:cNvPr>
+          <p:cNvSpPr>
+            <a:spLocks noGrp="1"/>
+          </p:cNvSpPr>
+          <p:nvPr>
+            <p:ph idx="1"/>
+          </p:nvPr>
+        </p:nvSpPr>
+        <p:spPr/>
+        <p:txBody>
+          <a:bodyPr/>
+          <a:lstStyle/>
+          <a:p>
+            <a:r>
+              <a:rPr lang="vi-VN" b="0" i="0" dirty="0">
+                <a:solidFill>
+                  <a:srgbClr val="1B1B1B"/>
+                </a:solidFill>
+                <a:effectLst/>
+                <a:latin typeface="Open Sans"/>
+              </a:rPr>
+              <a:t>MQTT (Message Queuing Telemetry Transport) là giao thức truyền thông điệp (message) theo mô hình publish/subscribe (cung cấp / thuê bao), được sử dụng cho các thiết bị IoT với băng thông thấp, độ tin cậy cao và khả năng được sử dụng trong mạng lưới không ổn định. Nó dựa trên một Broker (tạm dịch là “Máy chủ môi giới”) “nhẹ” (khá ít xử lý) và được thiết kế có tính mở (tức là không đặc trưng cho ứng dụng cụ thể nào), đơn giản và dễ cài đặt.</a:t>
+            </a:r>
+            <a:endParaRPr lang="en-US" b="0" i="0" dirty="0">
+              <a:solidFill>
+                <a:srgbClr val="1B1B1B"/>
+              </a:solidFill>
+              <a:effectLst/>
+              <a:latin typeface="Open Sans"/>
+            </a:endParaRPr>
+          </a:p>
+          <a:p>
+            <a:r>
+              <a:rPr lang="en-US" dirty="0" err="1"/>
+              <a:t>Hình</a:t>
+            </a:r>
+            <a:r>
+              <a:rPr lang="en-US" dirty="0"/>
+              <a:t> </a:t>
+            </a:r>
+            <a:r>
+              <a:rPr lang="en-US" dirty="0" err="1"/>
+              <a:t>trên</a:t>
+            </a:r>
+            <a:r>
+              <a:rPr lang="en-US" dirty="0"/>
+              <a:t> </a:t>
+            </a:r>
+            <a:r>
+              <a:rPr lang="en-US" dirty="0" err="1"/>
+              <a:t>mô</a:t>
+            </a:r>
+            <a:r>
+              <a:rPr lang="en-US" dirty="0"/>
+              <a:t> </a:t>
+            </a:r>
+            <a:r>
+              <a:rPr lang="en-US" dirty="0" err="1"/>
+              <a:t>tả</a:t>
+            </a:r>
+            <a:r>
+              <a:rPr lang="en-US" dirty="0"/>
+              <a:t> </a:t>
+            </a:r>
+            <a:r>
+              <a:rPr lang="en-US" dirty="0" err="1"/>
+              <a:t>quá</a:t>
+            </a:r>
+            <a:r>
+              <a:rPr lang="en-US" dirty="0"/>
+              <a:t> </a:t>
+            </a:r>
+            <a:r>
+              <a:rPr lang="en-US" dirty="0" err="1"/>
+              <a:t>trình</a:t>
+            </a:r>
+            <a:r>
+              <a:rPr lang="en-US" dirty="0"/>
+              <a:t> subscribe, publish </a:t>
+            </a:r>
+            <a:r>
+              <a:rPr lang="en-US" dirty="0" err="1"/>
+              <a:t>giữa</a:t>
+            </a:r>
+            <a:r>
+              <a:rPr lang="en-US" dirty="0"/>
+              <a:t> </a:t>
+            </a:r>
+            <a:r>
+              <a:rPr lang="en-US" dirty="0" err="1"/>
+              <a:t>các</a:t>
+            </a:r>
+            <a:r>
+              <a:rPr lang="en-US" dirty="0"/>
+              <a:t> sensor </a:t>
+            </a:r>
+            <a:r>
+              <a:rPr lang="en-US" dirty="0" err="1"/>
+              <a:t>và</a:t>
+            </a:r>
+            <a:r>
+              <a:rPr lang="en-US" dirty="0"/>
+              <a:t> </a:t>
+            </a:r>
+            <a:r>
+              <a:rPr lang="en-US" dirty="0" err="1"/>
+              <a:t>máy</a:t>
+            </a:r>
+            <a:r>
+              <a:rPr lang="en-US" dirty="0"/>
+              <a:t> </a:t>
+            </a:r>
+            <a:r>
+              <a:rPr lang="en-US" dirty="0" err="1"/>
+              <a:t>tính</a:t>
+            </a:r>
+            <a:endParaRPr lang="en-US" dirty="0"/>
+          </a:p>
+          <a:p>
+            <a:endParaRPr lang="en-US" dirty="0"/>
+          </a:p>
+        </p:txBody>
+      </p:sp>
+    </p:spTree>
+    <p:extLst>
+      <p:ext uri="{BB962C8B-B14F-4D97-AF65-F5344CB8AC3E}">
+        <p14:creationId xmlns:p14="http://schemas.microsoft.com/office/powerpoint/2010/main" val="2208608974"/>
+      </p:ext>
+    </p:extLst>
+  </p:cSld>
+  <p:clrMapOvr>
+    <a:masterClrMapping/>
+  </p:clrMapOvr>
+</p:sld>
+</file>
+
+<file path=ppt/slides/slide7.xml><?xml version="1.0" encoding="utf-8"?>
 <p:sld xmlns:a="http://schemas.openxmlformats.org/drawingml/2006/main" xmlns:r="http://schemas.openxmlformats.org/officeDocument/2006/relationships" xmlns:p="http://schemas.openxmlformats.org/presentationml/2006/main">
   <p:cSld>
     <p:bg>
@@ -14961,7 +15738,7 @@
 </p:sld>
 </file>
 
-<file path=ppt/slides/slide7.xml><?xml version="1.0" encoding="utf-8"?>
+<file path=ppt/slides/slide8.xml><?xml version="1.0" encoding="utf-8"?>
 <p:sld xmlns:a="http://schemas.openxmlformats.org/drawingml/2006/main" xmlns:r="http://schemas.openxmlformats.org/officeDocument/2006/relationships" xmlns:p="http://schemas.openxmlformats.org/presentationml/2006/main">
   <p:cSld>
     <p:bg>
@@ -15417,7 +16194,7 @@
 </p:sld>
 </file>
 
-<file path=ppt/slides/slide8.xml><?xml version="1.0" encoding="utf-8"?>
+<file path=ppt/slides/slide9.xml><?xml version="1.0" encoding="utf-8"?>
 <p:sld xmlns:a="http://schemas.openxmlformats.org/drawingml/2006/main" xmlns:r="http://schemas.openxmlformats.org/officeDocument/2006/relationships" xmlns:p="http://schemas.openxmlformats.org/presentationml/2006/main">
   <p:cSld>
     <p:bg>
@@ -16040,235 +16817,6 @@
     <p:extLst>
       <p:ext uri="{BB962C8B-B14F-4D97-AF65-F5344CB8AC3E}">
         <p14:creationId xmlns:p14="http://schemas.microsoft.com/office/powerpoint/2010/main" val="339328045"/>
-      </p:ext>
-    </p:extLst>
-  </p:cSld>
-  <p:clrMapOvr>
-    <a:masterClrMapping/>
-  </p:clrMapOvr>
-</p:sld>
-</file>
-
-<file path=ppt/slides/slide9.xml><?xml version="1.0" encoding="utf-8"?>
-<p:sld xmlns:a="http://schemas.openxmlformats.org/drawingml/2006/main" xmlns:r="http://schemas.openxmlformats.org/officeDocument/2006/relationships" xmlns:p="http://schemas.openxmlformats.org/presentationml/2006/main">
-  <p:cSld>
-    <p:bg>
-      <p:bgPr>
-        <a:solidFill>
-          <a:schemeClr val="bg1"/>
-        </a:solidFill>
-        <a:effectLst/>
-      </p:bgPr>
-    </p:bg>
-    <p:spTree>
-      <p:nvGrpSpPr>
-        <p:cNvPr id="1" name=""/>
-        <p:cNvGrpSpPr/>
-        <p:nvPr/>
-      </p:nvGrpSpPr>
-      <p:grpSpPr>
-        <a:xfrm>
-          <a:off x="0" y="0"/>
-          <a:ext cx="0" cy="0"/>
-          <a:chOff x="0" y="0"/>
-          <a:chExt cx="0" cy="0"/>
-        </a:xfrm>
-      </p:grpSpPr>
-      <p:sp useBgFill="1">
-        <p:nvSpPr>
-          <p:cNvPr id="30" name="Rectangle 29">
-            <a:extLst>
-              <a:ext uri="{FF2B5EF4-FFF2-40B4-BE49-F238E27FC236}">
-                <a16:creationId xmlns:a16="http://schemas.microsoft.com/office/drawing/2014/main" id="{9427AF5F-9A0E-42B7-A252-FD64C9885F9C}"/>
-              </a:ext>
-              <a:ext uri="{C183D7F6-B498-43B3-948B-1728B52AA6E4}">
-                <adec:decorative xmlns:adec="http://schemas.microsoft.com/office/drawing/2017/decorative" val="1"/>
-              </a:ext>
-            </a:extLst>
-          </p:cNvPr>
-          <p:cNvSpPr>
-            <a:spLocks noGrp="1" noRot="1" noChangeAspect="1" noMove="1" noResize="1" noEditPoints="1" noAdjustHandles="1" noChangeArrowheads="1" noChangeShapeType="1" noTextEdit="1"/>
-          </p:cNvSpPr>
-          <p:nvPr>
-            <p:extLst>
-              <p:ext uri="{386F3935-93C4-4BCD-93E2-E3B085C9AB24}">
-                <p16:designElem xmlns:p16="http://schemas.microsoft.com/office/powerpoint/2015/main" val="1"/>
-              </p:ext>
-            </p:extLst>
-          </p:nvPr>
-        </p:nvSpPr>
-        <p:spPr>
-          <a:xfrm>
-            <a:off x="-1" y="0"/>
-            <a:ext cx="12188952" cy="6858000"/>
-          </a:xfrm>
-          <a:prstGeom prst="rect">
-            <a:avLst/>
-          </a:prstGeom>
-          <a:ln>
-            <a:noFill/>
-          </a:ln>
-        </p:spPr>
-        <p:style>
-          <a:lnRef idx="2">
-            <a:schemeClr val="accent1">
-              <a:shade val="50000"/>
-            </a:schemeClr>
-          </a:lnRef>
-          <a:fillRef idx="1">
-            <a:schemeClr val="accent1"/>
-          </a:fillRef>
-          <a:effectRef idx="0">
-            <a:schemeClr val="accent1"/>
-          </a:effectRef>
-          <a:fontRef idx="minor">
-            <a:schemeClr val="lt1"/>
-          </a:fontRef>
-        </p:style>
-        <p:txBody>
-          <a:bodyPr rtlCol="0" anchor="ctr"/>
-          <a:lstStyle/>
-          <a:p>
-            <a:pPr algn="ctr"/>
-            <a:endParaRPr lang="en-US"/>
-          </a:p>
-        </p:txBody>
-      </p:sp>
-      <p:sp>
-        <p:nvSpPr>
-          <p:cNvPr id="2" name="Title 1">
-            <a:extLst>
-              <a:ext uri="{FF2B5EF4-FFF2-40B4-BE49-F238E27FC236}">
-                <a16:creationId xmlns:a16="http://schemas.microsoft.com/office/drawing/2014/main" id="{A51BCFCE-075C-48C0-ABCE-BE9B3CCED3EC}"/>
-              </a:ext>
-            </a:extLst>
-          </p:cNvPr>
-          <p:cNvSpPr>
-            <a:spLocks noGrp="1"/>
-          </p:cNvSpPr>
-          <p:nvPr>
-            <p:ph type="title"/>
-          </p:nvPr>
-        </p:nvSpPr>
-        <p:spPr>
-          <a:xfrm>
-            <a:off x="838200" y="365125"/>
-            <a:ext cx="10515600" cy="1306443"/>
-          </a:xfrm>
-        </p:spPr>
-        <p:txBody>
-          <a:bodyPr>
-            <a:normAutofit/>
-          </a:bodyPr>
-          <a:lstStyle/>
-          <a:p>
-            <a:r>
-              <a:rPr lang="en-US" sz="4000"/>
-              <a:t>2.1 NodeMCU ESP8266</a:t>
-            </a:r>
-          </a:p>
-        </p:txBody>
-      </p:sp>
-      <p:sp>
-        <p:nvSpPr>
-          <p:cNvPr id="3" name="Content Placeholder 2">
-            <a:extLst>
-              <a:ext uri="{FF2B5EF4-FFF2-40B4-BE49-F238E27FC236}">
-                <a16:creationId xmlns:a16="http://schemas.microsoft.com/office/drawing/2014/main" id="{56CFECF2-0E53-4E18-856D-13F496442488}"/>
-              </a:ext>
-            </a:extLst>
-          </p:cNvPr>
-          <p:cNvSpPr>
-            <a:spLocks noGrp="1"/>
-          </p:cNvSpPr>
-          <p:nvPr>
-            <p:ph idx="1"/>
-          </p:nvPr>
-        </p:nvSpPr>
-        <p:spPr>
-          <a:xfrm>
-            <a:off x="838200" y="1825625"/>
-            <a:ext cx="4152774" cy="4303464"/>
-          </a:xfrm>
-        </p:spPr>
-        <p:txBody>
-          <a:bodyPr>
-            <a:normAutofit/>
-          </a:bodyPr>
-          <a:lstStyle/>
-          <a:p>
-            <a:pPr marL="0" indent="0">
-              <a:buNone/>
-            </a:pPr>
-            <a:r>
-              <a:rPr lang="en-US" sz="2000" dirty="0" err="1"/>
-              <a:t>Sơ</a:t>
-            </a:r>
-            <a:r>
-              <a:rPr lang="en-US" sz="2000" dirty="0"/>
-              <a:t> </a:t>
-            </a:r>
-            <a:r>
-              <a:rPr lang="en-US" sz="2000" dirty="0" err="1"/>
-              <a:t>đồ</a:t>
-            </a:r>
-            <a:r>
-              <a:rPr lang="en-US" sz="2000" dirty="0"/>
-              <a:t> </a:t>
-            </a:r>
-            <a:r>
-              <a:rPr lang="en-US" sz="2000" dirty="0" err="1"/>
-              <a:t>chân</a:t>
-            </a:r>
-            <a:endParaRPr lang="en-US" sz="2000" dirty="0"/>
-          </a:p>
-          <a:p>
-            <a:pPr marL="0" indent="0">
-              <a:buNone/>
-            </a:pPr>
-            <a:endParaRPr lang="en-US" sz="2000" dirty="0"/>
-          </a:p>
-        </p:txBody>
-      </p:sp>
-      <p:pic>
-        <p:nvPicPr>
-          <p:cNvPr id="5" name="Picture 4">
-            <a:extLst>
-              <a:ext uri="{FF2B5EF4-FFF2-40B4-BE49-F238E27FC236}">
-                <a16:creationId xmlns:a16="http://schemas.microsoft.com/office/drawing/2014/main" id="{89A5F8AD-F5EE-4245-AA55-60701C0893B7}"/>
-              </a:ext>
-            </a:extLst>
-          </p:cNvPr>
-          <p:cNvPicPr>
-            <a:picLocks noChangeAspect="1"/>
-          </p:cNvPicPr>
-          <p:nvPr/>
-        </p:nvPicPr>
-        <p:blipFill rotWithShape="1">
-          <a:blip r:embed="rId2">
-            <a:extLst>
-              <a:ext uri="{28A0092B-C50C-407E-A947-70E740481C1C}">
-                <a14:useLocalDpi xmlns:a14="http://schemas.microsoft.com/office/drawing/2010/main" val="0"/>
-              </a:ext>
-            </a:extLst>
-          </a:blip>
-          <a:srcRect t="3286" r="2" b="14469"/>
-          <a:stretch/>
-        </p:blipFill>
-        <p:spPr>
-          <a:xfrm>
-            <a:off x="5183500" y="1904282"/>
-            <a:ext cx="6170299" cy="4224808"/>
-          </a:xfrm>
-          <a:prstGeom prst="rect">
-            <a:avLst/>
-          </a:prstGeom>
-        </p:spPr>
-      </p:pic>
-    </p:spTree>
-    <p:extLst>
-      <p:ext uri="{BB962C8B-B14F-4D97-AF65-F5344CB8AC3E}">
-        <p14:creationId xmlns:p14="http://schemas.microsoft.com/office/powerpoint/2010/main" val="1529635163"/>
       </p:ext>
     </p:extLst>
   </p:cSld>
